--- a/presentation.pptx
+++ b/presentation.pptx
@@ -13,7 +13,7 @@
     <p:sldId id="264" r:id="rId7"/>
     <p:sldId id="265" r:id="rId8"/>
     <p:sldId id="260" r:id="rId9"/>
-    <p:sldId id="261" r:id="rId10"/>
+    <p:sldId id="266" r:id="rId10"/>
     <p:sldId id="262" r:id="rId11"/>
   </p:sldIdLst>
   <p:sldSz cx="12192000" cy="6858000"/>
@@ -113,6 +113,11 @@
       </a:defRPr>
     </a:lvl9pPr>
   </p:defaultTextStyle>
+  <p:extLst>
+    <p:ext uri="{EFAFB233-063F-42B5-8137-9DF3F51BA10A}">
+      <p15:sldGuideLst xmlns:p15="http://schemas.microsoft.com/office/powerpoint/2012/main"/>
+    </p:ext>
+  </p:extLst>
 </p:presentation>
 </file>
 
@@ -286,7 +291,7 @@
             <a:fld id="{87DE6118-2437-4B30-8E3C-4D2BE6020583}" type="datetimeFigureOut">
               <a:rPr lang="en-US" dirty="0"/>
               <a:pPr/>
-              <a:t>5/7/2019</a:t>
+              <a:t>5/8/2019</a:t>
             </a:fld>
             <a:endParaRPr lang="en-US" dirty="0"/>
           </a:p>
@@ -612,7 +617,7 @@
           <a:p>
             <a:fld id="{87DE6118-2437-4B30-8E3C-4D2BE6020583}" type="datetimeFigureOut">
               <a:rPr lang="en-US" dirty="0"/>
-              <a:t>5/7/2019</a:t>
+              <a:t>5/8/2019</a:t>
             </a:fld>
             <a:endParaRPr lang="en-US" dirty="0"/>
           </a:p>
@@ -787,7 +792,7 @@
           <a:p>
             <a:fld id="{87DE6118-2437-4B30-8E3C-4D2BE6020583}" type="datetimeFigureOut">
               <a:rPr lang="en-US" dirty="0"/>
-              <a:t>5/7/2019</a:t>
+              <a:t>5/8/2019</a:t>
             </a:fld>
             <a:endParaRPr lang="en-US" dirty="0"/>
           </a:p>
@@ -952,7 +957,7 @@
           <a:p>
             <a:fld id="{87DE6118-2437-4B30-8E3C-4D2BE6020583}" type="datetimeFigureOut">
               <a:rPr lang="en-US" dirty="0"/>
-              <a:t>5/7/2019</a:t>
+              <a:t>5/8/2019</a:t>
             </a:fld>
             <a:endParaRPr lang="en-US" dirty="0"/>
           </a:p>
@@ -1225,7 +1230,7 @@
             <a:fld id="{87DE6118-2437-4B30-8E3C-4D2BE6020583}" type="datetimeFigureOut">
               <a:rPr lang="en-US" dirty="0"/>
               <a:pPr/>
-              <a:t>5/7/2019</a:t>
+              <a:t>5/8/2019</a:t>
             </a:fld>
             <a:endParaRPr lang="en-US" dirty="0"/>
           </a:p>
@@ -1615,7 +1620,7 @@
           <a:p>
             <a:fld id="{87DE6118-2437-4B30-8E3C-4D2BE6020583}" type="datetimeFigureOut">
               <a:rPr lang="en-US" dirty="0"/>
-              <a:t>5/7/2019</a:t>
+              <a:t>5/8/2019</a:t>
             </a:fld>
             <a:endParaRPr lang="en-US" dirty="0"/>
           </a:p>
@@ -2087,7 +2092,7 @@
           <a:p>
             <a:fld id="{87DE6118-2437-4B30-8E3C-4D2BE6020583}" type="datetimeFigureOut">
               <a:rPr lang="en-US" dirty="0"/>
-              <a:t>5/7/2019</a:t>
+              <a:t>5/8/2019</a:t>
             </a:fld>
             <a:endParaRPr lang="en-US" dirty="0"/>
           </a:p>
@@ -2200,7 +2205,7 @@
           <a:p>
             <a:fld id="{87DE6118-2437-4B30-8E3C-4D2BE6020583}" type="datetimeFigureOut">
               <a:rPr lang="en-US" dirty="0"/>
-              <a:t>5/7/2019</a:t>
+              <a:t>5/8/2019</a:t>
             </a:fld>
             <a:endParaRPr lang="en-US" dirty="0"/>
           </a:p>
@@ -2290,7 +2295,7 @@
           <a:p>
             <a:fld id="{87DE6118-2437-4B30-8E3C-4D2BE6020583}" type="datetimeFigureOut">
               <a:rPr lang="en-US" dirty="0"/>
-              <a:t>5/7/2019</a:t>
+              <a:t>5/8/2019</a:t>
             </a:fld>
             <a:endParaRPr lang="en-US" dirty="0"/>
           </a:p>
@@ -2632,7 +2637,7 @@
             <a:fld id="{87DE6118-2437-4B30-8E3C-4D2BE6020583}" type="datetimeFigureOut">
               <a:rPr lang="en-US" dirty="0"/>
               <a:pPr/>
-              <a:t>5/7/2019</a:t>
+              <a:t>5/8/2019</a:t>
             </a:fld>
             <a:endParaRPr lang="en-US" dirty="0"/>
           </a:p>
@@ -3017,7 +3022,7 @@
             <a:fld id="{87DE6118-2437-4B30-8E3C-4D2BE6020583}" type="datetimeFigureOut">
               <a:rPr lang="en-US" dirty="0"/>
               <a:pPr/>
-              <a:t>5/7/2019</a:t>
+              <a:t>5/8/2019</a:t>
             </a:fld>
             <a:endParaRPr lang="en-US" dirty="0"/>
           </a:p>
@@ -3292,7 +3297,7 @@
             <a:fld id="{87DE6118-2437-4B30-8E3C-4D2BE6020583}" type="datetimeFigureOut">
               <a:rPr lang="en-US" dirty="0"/>
               <a:pPr/>
-              <a:t>5/7/2019</a:t>
+              <a:t>5/8/2019</a:t>
             </a:fld>
             <a:endParaRPr lang="en-US" dirty="0"/>
           </a:p>
@@ -4018,7 +4023,22 @@
           <a:bodyPr/>
           <a:lstStyle/>
           <a:p>
-            <a:endParaRPr lang="en-US" dirty="0"/>
+            <a:r>
+              <a:rPr lang="en-US" dirty="0"/>
+              <a:t>Aspect Detection - Aims to identify the aspects discussed in a piece of text</a:t>
+            </a:r>
+          </a:p>
+          <a:p>
+            <a:r>
+              <a:rPr lang="en-US" dirty="0"/>
+              <a:t>Sentiment Analysis - The process of computationally identifying and categorizing opinions expressed in a piece of text, especially in order to determine whether the writer's attitude towards a particular topic, product, etc. is positive, negative, or neutral</a:t>
+            </a:r>
+          </a:p>
+          <a:p>
+            <a:r>
+              <a:rPr lang="en-US" dirty="0"/>
+              <a:t>Aspect Based Sentiment Analysis – Detecting the aspects in a piece of text and the sentiment about those aspects</a:t>
+            </a:r>
           </a:p>
         </p:txBody>
       </p:sp>
@@ -4123,6 +4143,16 @@
             </a:r>
           </a:p>
           <a:p>
+            <a:r>
+              <a:rPr lang="en-US" dirty="0" err="1"/>
+              <a:t>CoreNLP</a:t>
+            </a:r>
+            <a:r>
+              <a:rPr lang="en-US" dirty="0"/>
+              <a:t> – Using the NLTK wrapper</a:t>
+            </a:r>
+          </a:p>
+          <a:p>
             <a:endParaRPr lang="en-US" dirty="0"/>
           </a:p>
         </p:txBody>
@@ -4664,7 +4694,7 @@
           <a:p>
             <a:r>
               <a:rPr lang="en-US" dirty="0"/>
-              <a:t>Output</a:t>
+              <a:t>Output each aspect with it’s sentiment</a:t>
             </a:r>
           </a:p>
         </p:txBody>
@@ -4744,6 +4774,10 @@
           </p:nvPr>
         </p:nvSpPr>
         <p:spPr bwMode="auto">
+          <a:xfrm>
+            <a:off x="1694576" y="2938495"/>
+            <a:ext cx="1392572" cy="2723823"/>
+          </a:xfrm>
           <a:prstGeom prst="rect">
             <a:avLst/>
           </a:prstGeom>
@@ -4777,7 +4811,7 @@
           </a:extLst>
         </p:spPr>
         <p:txBody>
-          <a:bodyPr vert="horz" wrap="none" lIns="91440" tIns="45720" rIns="91440" bIns="45720" numCol="1" anchor="ctr" anchorCtr="0" compatLnSpc="1">
+          <a:bodyPr vert="horz" wrap="square" lIns="91440" tIns="45720" rIns="91440" bIns="45720" numCol="1" anchor="ctr" anchorCtr="0" compatLnSpc="1">
             <a:prstTxWarp prst="textNoShape">
               <a:avLst/>
             </a:prstTxWarp>
@@ -4802,7 +4836,7 @@
               <a:tabLst/>
             </a:pPr>
             <a:r>
-              <a:rPr kumimoji="0" lang="en-US" altLang="en-US" sz="900" b="0" i="0" u="none" strike="noStrike" cap="none" normalizeH="0" baseline="0">
+              <a:rPr kumimoji="0" lang="en-US" altLang="en-US" sz="900" b="0" i="0" u="none" strike="noStrike" cap="none" normalizeH="0" baseline="0" dirty="0">
                 <a:ln>
                   <a:noFill/>
                 </a:ln>
@@ -4816,7 +4850,7 @@
               <a:t>keyboard 2 0 1</a:t>
             </a:r>
             <a:br>
-              <a:rPr kumimoji="0" lang="en-US" altLang="en-US" sz="900" b="0" i="0" u="none" strike="noStrike" cap="none" normalizeH="0" baseline="0">
+              <a:rPr kumimoji="0" lang="en-US" altLang="en-US" sz="900" b="0" i="0" u="none" strike="noStrike" cap="none" normalizeH="0" baseline="0" dirty="0">
                 <a:ln>
                   <a:noFill/>
                 </a:ln>
@@ -4829,7 +4863,7 @@
               </a:rPr>
             </a:br>
             <a:r>
-              <a:rPr kumimoji="0" lang="en-US" altLang="en-US" sz="900" b="0" i="0" u="none" strike="noStrike" cap="none" normalizeH="0" baseline="0">
+              <a:rPr kumimoji="0" lang="en-US" altLang="en-US" sz="900" b="0" i="0" u="none" strike="noStrike" cap="none" normalizeH="0" baseline="0" dirty="0">
                 <a:ln>
                   <a:noFill/>
                 </a:ln>
@@ -4843,7 +4877,7 @@
               <a:t>buttons 3 0 0</a:t>
             </a:r>
             <a:br>
-              <a:rPr kumimoji="0" lang="en-US" altLang="en-US" sz="900" b="0" i="0" u="none" strike="noStrike" cap="none" normalizeH="0" baseline="0">
+              <a:rPr kumimoji="0" lang="en-US" altLang="en-US" sz="900" b="0" i="0" u="none" strike="noStrike" cap="none" normalizeH="0" baseline="0" dirty="0">
                 <a:ln>
                   <a:noFill/>
                 </a:ln>
@@ -4856,7 +4890,7 @@
               </a:rPr>
             </a:br>
             <a:r>
-              <a:rPr kumimoji="0" lang="en-US" altLang="en-US" sz="900" b="0" i="0" u="none" strike="noStrike" cap="none" normalizeH="0" baseline="0">
+              <a:rPr kumimoji="0" lang="en-US" altLang="en-US" sz="900" b="0" i="0" u="none" strike="noStrike" cap="none" normalizeH="0" baseline="0" dirty="0">
                 <a:ln>
                   <a:noFill/>
                 </a:ln>
@@ -4870,7 +4904,7 @@
               <a:t>battery 1 0 2</a:t>
             </a:r>
             <a:br>
-              <a:rPr kumimoji="0" lang="en-US" altLang="en-US" sz="900" b="0" i="0" u="none" strike="noStrike" cap="none" normalizeH="0" baseline="0">
+              <a:rPr kumimoji="0" lang="en-US" altLang="en-US" sz="900" b="0" i="0" u="none" strike="noStrike" cap="none" normalizeH="0" baseline="0" dirty="0">
                 <a:ln>
                   <a:noFill/>
                 </a:ln>
@@ -4883,7 +4917,7 @@
               </a:rPr>
             </a:br>
             <a:r>
-              <a:rPr kumimoji="0" lang="en-US" altLang="en-US" sz="900" b="0" i="0" u="none" strike="noStrike" cap="none" normalizeH="0" baseline="0">
+              <a:rPr kumimoji="0" lang="en-US" altLang="en-US" sz="900" b="0" i="0" u="none" strike="noStrike" cap="none" normalizeH="0" baseline="0" dirty="0">
                 <a:ln>
                   <a:noFill/>
                 </a:ln>
@@ -4897,7 +4931,7 @@
               <a:t>keys 1 0 1</a:t>
             </a:r>
             <a:br>
-              <a:rPr kumimoji="0" lang="en-US" altLang="en-US" sz="900" b="0" i="0" u="none" strike="noStrike" cap="none" normalizeH="0" baseline="0">
+              <a:rPr kumimoji="0" lang="en-US" altLang="en-US" sz="900" b="0" i="0" u="none" strike="noStrike" cap="none" normalizeH="0" baseline="0" dirty="0">
                 <a:ln>
                   <a:noFill/>
                 </a:ln>
@@ -4910,7 +4944,7 @@
               </a:rPr>
             </a:br>
             <a:r>
-              <a:rPr kumimoji="0" lang="en-US" altLang="en-US" sz="900" b="0" i="0" u="none" strike="noStrike" cap="none" normalizeH="0" baseline="0">
+              <a:rPr kumimoji="0" lang="en-US" altLang="en-US" sz="900" b="0" i="0" u="none" strike="noStrike" cap="none" normalizeH="0" baseline="0" dirty="0">
                 <a:ln>
                   <a:noFill/>
                 </a:ln>
@@ -4924,7 +4958,7 @@
               <a:t>quality 3 0 0</a:t>
             </a:r>
             <a:br>
-              <a:rPr kumimoji="0" lang="en-US" altLang="en-US" sz="900" b="0" i="0" u="none" strike="noStrike" cap="none" normalizeH="0" baseline="0">
+              <a:rPr kumimoji="0" lang="en-US" altLang="en-US" sz="900" b="0" i="0" u="none" strike="noStrike" cap="none" normalizeH="0" baseline="0" dirty="0">
                 <a:ln>
                   <a:noFill/>
                 </a:ln>
@@ -4937,7 +4971,7 @@
               </a:rPr>
             </a:br>
             <a:r>
-              <a:rPr kumimoji="0" lang="en-US" altLang="en-US" sz="900" b="0" i="0" u="none" strike="noStrike" cap="none" normalizeH="0" baseline="0">
+              <a:rPr kumimoji="0" lang="en-US" altLang="en-US" sz="900" b="0" i="0" u="none" strike="noStrike" cap="none" normalizeH="0" baseline="0" dirty="0">
                 <a:ln>
                   <a:noFill/>
                 </a:ln>
@@ -4951,7 +4985,7 @@
               <a:t>rating 0 0 1</a:t>
             </a:r>
             <a:br>
-              <a:rPr kumimoji="0" lang="en-US" altLang="en-US" sz="900" b="0" i="0" u="none" strike="noStrike" cap="none" normalizeH="0" baseline="0">
+              <a:rPr kumimoji="0" lang="en-US" altLang="en-US" sz="900" b="0" i="0" u="none" strike="noStrike" cap="none" normalizeH="0" baseline="0" dirty="0">
                 <a:ln>
                   <a:noFill/>
                 </a:ln>
@@ -4964,7 +4998,7 @@
               </a:rPr>
             </a:br>
             <a:r>
-              <a:rPr kumimoji="0" lang="en-US" altLang="en-US" sz="900" b="0" i="0" u="none" strike="noStrike" cap="none" normalizeH="0" baseline="0">
+              <a:rPr kumimoji="0" lang="en-US" altLang="en-US" sz="900" b="0" i="0" u="none" strike="noStrike" cap="none" normalizeH="0" baseline="0" dirty="0">
                 <a:ln>
                   <a:noFill/>
                 </a:ln>
@@ -4978,7 +5012,7 @@
               <a:t>phones 1 0 0</a:t>
             </a:r>
             <a:br>
-              <a:rPr kumimoji="0" lang="en-US" altLang="en-US" sz="900" b="0" i="0" u="none" strike="noStrike" cap="none" normalizeH="0" baseline="0">
+              <a:rPr kumimoji="0" lang="en-US" altLang="en-US" sz="900" b="0" i="0" u="none" strike="noStrike" cap="none" normalizeH="0" baseline="0" dirty="0">
                 <a:ln>
                   <a:noFill/>
                 </a:ln>
@@ -4991,7 +5025,7 @@
               </a:rPr>
             </a:br>
             <a:r>
-              <a:rPr kumimoji="0" lang="en-US" altLang="en-US" sz="900" b="0" i="0" u="none" strike="noStrike" cap="none" normalizeH="0" baseline="0">
+              <a:rPr kumimoji="0" lang="en-US" altLang="en-US" sz="900" b="0" i="0" u="none" strike="noStrike" cap="none" normalizeH="0" baseline="0" dirty="0">
                 <a:ln>
                   <a:noFill/>
                 </a:ln>
@@ -5005,7 +5039,7 @@
               <a:t>setup 1 0 0</a:t>
             </a:r>
             <a:br>
-              <a:rPr kumimoji="0" lang="en-US" altLang="en-US" sz="900" b="0" i="0" u="none" strike="noStrike" cap="none" normalizeH="0" baseline="0">
+              <a:rPr kumimoji="0" lang="en-US" altLang="en-US" sz="900" b="0" i="0" u="none" strike="noStrike" cap="none" normalizeH="0" baseline="0" dirty="0">
                 <a:ln>
                   <a:noFill/>
                 </a:ln>
@@ -5018,7 +5052,7 @@
               </a:rPr>
             </a:br>
             <a:r>
-              <a:rPr kumimoji="0" lang="en-US" altLang="en-US" sz="900" b="0" i="0" u="none" strike="noStrike" cap="none" normalizeH="0" baseline="0">
+              <a:rPr kumimoji="0" lang="en-US" altLang="en-US" sz="900" b="0" i="0" u="none" strike="noStrike" cap="none" normalizeH="0" baseline="0" dirty="0">
                 <a:ln>
                   <a:noFill/>
                 </a:ln>
@@ -5032,7 +5066,7 @@
               <a:t>heel 1 0 0</a:t>
             </a:r>
             <a:br>
-              <a:rPr kumimoji="0" lang="en-US" altLang="en-US" sz="900" b="0" i="0" u="none" strike="noStrike" cap="none" normalizeH="0" baseline="0">
+              <a:rPr kumimoji="0" lang="en-US" altLang="en-US" sz="900" b="0" i="0" u="none" strike="noStrike" cap="none" normalizeH="0" baseline="0" dirty="0">
                 <a:ln>
                   <a:noFill/>
                 </a:ln>
@@ -5045,7 +5079,7 @@
               </a:rPr>
             </a:br>
             <a:r>
-              <a:rPr kumimoji="0" lang="en-US" altLang="en-US" sz="900" b="0" i="0" u="none" strike="noStrike" cap="none" normalizeH="0" baseline="0">
+              <a:rPr kumimoji="0" lang="en-US" altLang="en-US" sz="900" b="0" i="0" u="none" strike="noStrike" cap="none" normalizeH="0" baseline="0" dirty="0">
                 <a:ln>
                   <a:noFill/>
                 </a:ln>
@@ -5059,7 +5093,7 @@
               <a:t>favorites 1 0 0</a:t>
             </a:r>
             <a:br>
-              <a:rPr kumimoji="0" lang="en-US" altLang="en-US" sz="900" b="0" i="0" u="none" strike="noStrike" cap="none" normalizeH="0" baseline="0">
+              <a:rPr kumimoji="0" lang="en-US" altLang="en-US" sz="900" b="0" i="0" u="none" strike="noStrike" cap="none" normalizeH="0" baseline="0" dirty="0">
                 <a:ln>
                   <a:noFill/>
                 </a:ln>
@@ -5072,7 +5106,7 @@
               </a:rPr>
             </a:br>
             <a:r>
-              <a:rPr kumimoji="0" lang="en-US" altLang="en-US" sz="900" b="0" i="0" u="none" strike="noStrike" cap="none" normalizeH="0" baseline="0">
+              <a:rPr kumimoji="0" lang="en-US" altLang="en-US" sz="900" b="0" i="0" u="none" strike="noStrike" cap="none" normalizeH="0" baseline="0" dirty="0">
                 <a:ln>
                   <a:noFill/>
                 </a:ln>
@@ -5086,7 +5120,7 @@
               <a:t>beloved 1 0 0</a:t>
             </a:r>
             <a:br>
-              <a:rPr kumimoji="0" lang="en-US" altLang="en-US" sz="900" b="0" i="0" u="none" strike="noStrike" cap="none" normalizeH="0" baseline="0">
+              <a:rPr kumimoji="0" lang="en-US" altLang="en-US" sz="900" b="0" i="0" u="none" strike="noStrike" cap="none" normalizeH="0" baseline="0" dirty="0">
                 <a:ln>
                   <a:noFill/>
                 </a:ln>
@@ -5099,7 +5133,7 @@
               </a:rPr>
             </a:br>
             <a:r>
-              <a:rPr kumimoji="0" lang="en-US" altLang="en-US" sz="900" b="0" i="0" u="none" strike="noStrike" cap="none" normalizeH="0" baseline="0">
+              <a:rPr kumimoji="0" lang="en-US" altLang="en-US" sz="900" b="0" i="0" u="none" strike="noStrike" cap="none" normalizeH="0" baseline="0" dirty="0">
                 <a:ln>
                   <a:noFill/>
                 </a:ln>
@@ -5113,7 +5147,7 @@
               <a:t>card 1 0 0</a:t>
             </a:r>
             <a:br>
-              <a:rPr kumimoji="0" lang="en-US" altLang="en-US" sz="900" b="0" i="0" u="none" strike="noStrike" cap="none" normalizeH="0" baseline="0">
+              <a:rPr kumimoji="0" lang="en-US" altLang="en-US" sz="900" b="0" i="0" u="none" strike="noStrike" cap="none" normalizeH="0" baseline="0" dirty="0">
                 <a:ln>
                   <a:noFill/>
                 </a:ln>
@@ -5126,7 +5160,7 @@
               </a:rPr>
             </a:br>
             <a:r>
-              <a:rPr kumimoji="0" lang="en-US" altLang="en-US" sz="900" b="0" i="0" u="none" strike="noStrike" cap="none" normalizeH="0" baseline="0">
+              <a:rPr kumimoji="0" lang="en-US" altLang="en-US" sz="900" b="0" i="0" u="none" strike="noStrike" cap="none" normalizeH="0" baseline="0" dirty="0">
                 <a:ln>
                   <a:noFill/>
                 </a:ln>
@@ -5140,7 +5174,7 @@
               <a:t>purchase 1 0 0</a:t>
             </a:r>
             <a:br>
-              <a:rPr kumimoji="0" lang="en-US" altLang="en-US" sz="900" b="0" i="0" u="none" strike="noStrike" cap="none" normalizeH="0" baseline="0">
+              <a:rPr kumimoji="0" lang="en-US" altLang="en-US" sz="900" b="0" i="0" u="none" strike="noStrike" cap="none" normalizeH="0" baseline="0" dirty="0">
                 <a:ln>
                   <a:noFill/>
                 </a:ln>
@@ -5153,7 +5187,7 @@
               </a:rPr>
             </a:br>
             <a:r>
-              <a:rPr kumimoji="0" lang="en-US" altLang="en-US" sz="900" b="0" i="0" u="none" strike="noStrike" cap="none" normalizeH="0" baseline="0">
+              <a:rPr kumimoji="0" lang="en-US" altLang="en-US" sz="900" b="0" i="0" u="none" strike="noStrike" cap="none" normalizeH="0" baseline="0" dirty="0">
                 <a:ln>
                   <a:noFill/>
                 </a:ln>
@@ -5167,7 +5201,7 @@
               <a:t>reception 1 0 0</a:t>
             </a:r>
             <a:br>
-              <a:rPr kumimoji="0" lang="en-US" altLang="en-US" sz="900" b="0" i="0" u="none" strike="noStrike" cap="none" normalizeH="0" baseline="0">
+              <a:rPr kumimoji="0" lang="en-US" altLang="en-US" sz="900" b="0" i="0" u="none" strike="noStrike" cap="none" normalizeH="0" baseline="0" dirty="0">
                 <a:ln>
                   <a:noFill/>
                 </a:ln>
@@ -5180,7 +5214,7 @@
               </a:rPr>
             </a:br>
             <a:r>
-              <a:rPr kumimoji="0" lang="en-US" altLang="en-US" sz="900" b="0" i="0" u="none" strike="noStrike" cap="none" normalizeH="0" baseline="0">
+              <a:rPr kumimoji="0" lang="en-US" altLang="en-US" sz="900" b="0" i="0" u="none" strike="noStrike" cap="none" normalizeH="0" baseline="0" dirty="0">
                 <a:ln>
                   <a:noFill/>
                 </a:ln>
@@ -5194,7 +5228,7 @@
               <a:t>screen 1 0 0</a:t>
             </a:r>
             <a:br>
-              <a:rPr kumimoji="0" lang="en-US" altLang="en-US" sz="900" b="0" i="0" u="none" strike="noStrike" cap="none" normalizeH="0" baseline="0">
+              <a:rPr kumimoji="0" lang="en-US" altLang="en-US" sz="900" b="0" i="0" u="none" strike="noStrike" cap="none" normalizeH="0" baseline="0" dirty="0">
                 <a:ln>
                   <a:noFill/>
                 </a:ln>
@@ -5207,7 +5241,7 @@
               </a:rPr>
             </a:br>
             <a:r>
-              <a:rPr kumimoji="0" lang="en-US" altLang="en-US" sz="900" b="0" i="0" u="none" strike="noStrike" cap="none" normalizeH="0" baseline="0">
+              <a:rPr kumimoji="0" lang="en-US" altLang="en-US" sz="900" b="0" i="0" u="none" strike="noStrike" cap="none" normalizeH="0" baseline="0" dirty="0">
                 <a:ln>
                   <a:noFill/>
                 </a:ln>
@@ -5221,7 +5255,7 @@
               <a:t>ring 1 0 0</a:t>
             </a:r>
             <a:br>
-              <a:rPr kumimoji="0" lang="en-US" altLang="en-US" sz="900" b="0" i="0" u="none" strike="noStrike" cap="none" normalizeH="0" baseline="0">
+              <a:rPr kumimoji="0" lang="en-US" altLang="en-US" sz="900" b="0" i="0" u="none" strike="noStrike" cap="none" normalizeH="0" baseline="0" dirty="0">
                 <a:ln>
                   <a:noFill/>
                 </a:ln>
@@ -5234,7 +5268,7 @@
               </a:rPr>
             </a:br>
             <a:r>
-              <a:rPr kumimoji="0" lang="en-US" altLang="en-US" sz="900" b="0" i="0" u="none" strike="noStrike" cap="none" normalizeH="0" baseline="0">
+              <a:rPr kumimoji="0" lang="en-US" altLang="en-US" sz="900" b="0" i="0" u="none" strike="noStrike" cap="none" normalizeH="0" baseline="0" dirty="0">
                 <a:ln>
                   <a:noFill/>
                 </a:ln>
@@ -5248,7 +5282,7 @@
               <a:t>call 2 0 0</a:t>
             </a:r>
             <a:br>
-              <a:rPr kumimoji="0" lang="en-US" altLang="en-US" sz="900" b="0" i="0" u="none" strike="noStrike" cap="none" normalizeH="0" baseline="0">
+              <a:rPr kumimoji="0" lang="en-US" altLang="en-US" sz="900" b="0" i="0" u="none" strike="noStrike" cap="none" normalizeH="0" baseline="0" dirty="0">
                 <a:ln>
                   <a:noFill/>
                 </a:ln>
@@ -5261,7 +5295,7 @@
               </a:rPr>
             </a:br>
             <a:r>
-              <a:rPr kumimoji="0" lang="en-US" altLang="en-US" sz="900" b="0" i="0" u="none" strike="noStrike" cap="none" normalizeH="0" baseline="0">
+              <a:rPr kumimoji="0" lang="en-US" altLang="en-US" sz="900" b="0" i="0" u="none" strike="noStrike" cap="none" normalizeH="0" baseline="0" dirty="0">
                 <a:ln>
                   <a:noFill/>
                 </a:ln>
@@ -5275,7 +5309,7 @@
               <a:t>price 1 0 0</a:t>
             </a:r>
             <a:br>
-              <a:rPr kumimoji="0" lang="en-US" altLang="en-US" sz="900" b="0" i="0" u="none" strike="noStrike" cap="none" normalizeH="0" baseline="0">
+              <a:rPr kumimoji="0" lang="en-US" altLang="en-US" sz="900" b="0" i="0" u="none" strike="noStrike" cap="none" normalizeH="0" baseline="0" dirty="0">
                 <a:ln>
                   <a:noFill/>
                 </a:ln>
@@ -5288,7 +5322,7 @@
               </a:rPr>
             </a:br>
             <a:r>
-              <a:rPr kumimoji="0" lang="en-US" altLang="en-US" sz="900" b="0" i="0" u="none" strike="noStrike" cap="none" normalizeH="0" baseline="0">
+              <a:rPr kumimoji="0" lang="en-US" altLang="en-US" sz="900" b="0" i="0" u="none" strike="noStrike" cap="none" normalizeH="0" baseline="0" dirty="0">
                 <a:ln>
                   <a:noFill/>
                 </a:ln>
@@ -5301,7 +5335,7 @@
               </a:rPr>
               <a:t>features 1 0 0</a:t>
             </a:r>
-            <a:endParaRPr kumimoji="0" lang="en-US" altLang="en-US" sz="1800" b="0" i="0" u="none" strike="noStrike" cap="none" normalizeH="0" baseline="0">
+            <a:endParaRPr kumimoji="0" lang="en-US" altLang="en-US" sz="1800" b="0" i="0" u="none" strike="noStrike" cap="none" normalizeH="0" baseline="0" dirty="0">
               <a:ln>
                 <a:noFill/>
               </a:ln>
@@ -5311,6 +5345,232 @@
               <a:effectLst/>
               <a:latin typeface="Arial" panose="020B0604020202020204" pitchFamily="34" charset="0"/>
             </a:endParaRPr>
+          </a:p>
+        </p:txBody>
+      </p:sp>
+      <p:sp>
+        <p:nvSpPr>
+          <p:cNvPr id="5" name="Content Placeholder 2">
+            <a:extLst>
+              <a:ext uri="{FF2B5EF4-FFF2-40B4-BE49-F238E27FC236}">
+                <a16:creationId xmlns:a16="http://schemas.microsoft.com/office/drawing/2014/main" id="{7ADB908A-0762-439A-9A20-2C197A9CAEBC}"/>
+              </a:ext>
+            </a:extLst>
+          </p:cNvPr>
+          <p:cNvSpPr txBox="1">
+            <a:spLocks/>
+          </p:cNvSpPr>
+          <p:nvPr/>
+        </p:nvSpPr>
+        <p:spPr>
+          <a:xfrm>
+            <a:off x="1694576" y="2291593"/>
+            <a:ext cx="7004807" cy="3581400"/>
+          </a:xfrm>
+          <a:prstGeom prst="rect">
+            <a:avLst/>
+          </a:prstGeom>
+        </p:spPr>
+        <p:txBody>
+          <a:bodyPr vert="horz" lIns="91440" tIns="45720" rIns="91440" bIns="45720" rtlCol="0">
+            <a:normAutofit/>
+          </a:bodyPr>
+          <a:lstStyle>
+            <a:lvl1pPr marL="384048" indent="-384048" algn="l" defTabSz="914400" rtl="0" eaLnBrk="1" latinLnBrk="0" hangingPunct="1">
+              <a:lnSpc>
+                <a:spcPct val="94000"/>
+              </a:lnSpc>
+              <a:spcBef>
+                <a:spcPts val="1000"/>
+              </a:spcBef>
+              <a:spcAft>
+                <a:spcPts val="200"/>
+              </a:spcAft>
+              <a:buFont typeface="Franklin Gothic Book" panose="020B0503020102020204" pitchFamily="34" charset="0"/>
+              <a:buChar char="■"/>
+              <a:defRPr sz="2000" kern="1200" baseline="0">
+                <a:solidFill>
+                  <a:schemeClr val="tx2"/>
+                </a:solidFill>
+                <a:latin typeface="+mn-lt"/>
+                <a:ea typeface="+mn-ea"/>
+                <a:cs typeface="+mn-cs"/>
+              </a:defRPr>
+            </a:lvl1pPr>
+            <a:lvl2pPr marL="914400" indent="-384048" algn="l" defTabSz="914400" rtl="0" eaLnBrk="1" latinLnBrk="0" hangingPunct="1">
+              <a:lnSpc>
+                <a:spcPct val="94000"/>
+              </a:lnSpc>
+              <a:spcBef>
+                <a:spcPts val="500"/>
+              </a:spcBef>
+              <a:spcAft>
+                <a:spcPts val="200"/>
+              </a:spcAft>
+              <a:buFont typeface="Franklin Gothic Book" panose="020B0503020102020204" pitchFamily="34" charset="0"/>
+              <a:buChar char="–"/>
+              <a:defRPr sz="2000" i="1" kern="1200" baseline="0">
+                <a:solidFill>
+                  <a:schemeClr val="tx2"/>
+                </a:solidFill>
+                <a:latin typeface="+mn-lt"/>
+                <a:ea typeface="+mn-ea"/>
+                <a:cs typeface="+mn-cs"/>
+              </a:defRPr>
+            </a:lvl2pPr>
+            <a:lvl3pPr marL="1371600" indent="-384048" algn="l" defTabSz="914400" rtl="0" eaLnBrk="1" latinLnBrk="0" hangingPunct="1">
+              <a:lnSpc>
+                <a:spcPct val="94000"/>
+              </a:lnSpc>
+              <a:spcBef>
+                <a:spcPts val="500"/>
+              </a:spcBef>
+              <a:spcAft>
+                <a:spcPts val="200"/>
+              </a:spcAft>
+              <a:buFont typeface="Franklin Gothic Book" panose="020B0503020102020204" pitchFamily="34" charset="0"/>
+              <a:buChar char="■"/>
+              <a:defRPr sz="1800" kern="1200" baseline="0">
+                <a:solidFill>
+                  <a:schemeClr val="tx2"/>
+                </a:solidFill>
+                <a:latin typeface="+mn-lt"/>
+                <a:ea typeface="+mn-ea"/>
+                <a:cs typeface="+mn-cs"/>
+              </a:defRPr>
+            </a:lvl3pPr>
+            <a:lvl4pPr marL="1828800" indent="-384048" algn="l" defTabSz="914400" rtl="0" eaLnBrk="1" latinLnBrk="0" hangingPunct="1">
+              <a:lnSpc>
+                <a:spcPct val="94000"/>
+              </a:lnSpc>
+              <a:spcBef>
+                <a:spcPts val="500"/>
+              </a:spcBef>
+              <a:spcAft>
+                <a:spcPts val="200"/>
+              </a:spcAft>
+              <a:buFont typeface="Franklin Gothic Book" panose="020B0503020102020204" pitchFamily="34" charset="0"/>
+              <a:buChar char="–"/>
+              <a:defRPr sz="1800" i="1" kern="1200" baseline="0">
+                <a:solidFill>
+                  <a:schemeClr val="tx2"/>
+                </a:solidFill>
+                <a:latin typeface="+mn-lt"/>
+                <a:ea typeface="+mn-ea"/>
+                <a:cs typeface="+mn-cs"/>
+              </a:defRPr>
+            </a:lvl4pPr>
+            <a:lvl5pPr marL="2286000" indent="-384048" algn="l" defTabSz="914400" rtl="0" eaLnBrk="1" latinLnBrk="0" hangingPunct="1">
+              <a:lnSpc>
+                <a:spcPct val="94000"/>
+              </a:lnSpc>
+              <a:spcBef>
+                <a:spcPts val="500"/>
+              </a:spcBef>
+              <a:spcAft>
+                <a:spcPts val="200"/>
+              </a:spcAft>
+              <a:buFont typeface="Franklin Gothic Book" panose="020B0503020102020204" pitchFamily="34" charset="0"/>
+              <a:buChar char="■"/>
+              <a:defRPr sz="1600" kern="1200" baseline="0">
+                <a:solidFill>
+                  <a:schemeClr val="tx2"/>
+                </a:solidFill>
+                <a:latin typeface="+mn-lt"/>
+                <a:ea typeface="+mn-ea"/>
+                <a:cs typeface="+mn-cs"/>
+              </a:defRPr>
+            </a:lvl5pPr>
+            <a:lvl6pPr marL="2743200" indent="-384048" algn="l" defTabSz="914400" rtl="0" eaLnBrk="1" latinLnBrk="0" hangingPunct="1">
+              <a:lnSpc>
+                <a:spcPct val="94000"/>
+              </a:lnSpc>
+              <a:spcBef>
+                <a:spcPts val="500"/>
+              </a:spcBef>
+              <a:spcAft>
+                <a:spcPts val="200"/>
+              </a:spcAft>
+              <a:buFont typeface="Franklin Gothic Book" panose="020B0503020102020204" pitchFamily="34" charset="0"/>
+              <a:buChar char="–"/>
+              <a:defRPr sz="1600" i="1" kern="1200" baseline="0">
+                <a:solidFill>
+                  <a:schemeClr val="tx2"/>
+                </a:solidFill>
+                <a:latin typeface="+mn-lt"/>
+                <a:ea typeface="+mn-ea"/>
+                <a:cs typeface="+mn-cs"/>
+              </a:defRPr>
+            </a:lvl6pPr>
+            <a:lvl7pPr marL="3200400" indent="-384048" algn="l" defTabSz="914400" rtl="0" eaLnBrk="1" latinLnBrk="0" hangingPunct="1">
+              <a:lnSpc>
+                <a:spcPct val="94000"/>
+              </a:lnSpc>
+              <a:spcBef>
+                <a:spcPts val="500"/>
+              </a:spcBef>
+              <a:spcAft>
+                <a:spcPts val="200"/>
+              </a:spcAft>
+              <a:buFont typeface="Franklin Gothic Book" panose="020B0503020102020204" pitchFamily="34" charset="0"/>
+              <a:buChar char="■"/>
+              <a:defRPr sz="1400" kern="1200" baseline="0">
+                <a:solidFill>
+                  <a:schemeClr val="tx2"/>
+                </a:solidFill>
+                <a:latin typeface="+mn-lt"/>
+                <a:ea typeface="+mn-ea"/>
+                <a:cs typeface="+mn-cs"/>
+              </a:defRPr>
+            </a:lvl7pPr>
+            <a:lvl8pPr marL="3657600" indent="-384048" algn="l" defTabSz="914400" rtl="0" eaLnBrk="1" latinLnBrk="0" hangingPunct="1">
+              <a:lnSpc>
+                <a:spcPct val="94000"/>
+              </a:lnSpc>
+              <a:spcBef>
+                <a:spcPts val="500"/>
+              </a:spcBef>
+              <a:spcAft>
+                <a:spcPts val="200"/>
+              </a:spcAft>
+              <a:buFont typeface="Franklin Gothic Book" panose="020B0503020102020204" pitchFamily="34" charset="0"/>
+              <a:buChar char="–"/>
+              <a:defRPr sz="1400" i="1" kern="1200" baseline="0">
+                <a:solidFill>
+                  <a:schemeClr val="tx2"/>
+                </a:solidFill>
+                <a:latin typeface="+mn-lt"/>
+                <a:ea typeface="+mn-ea"/>
+                <a:cs typeface="+mn-cs"/>
+              </a:defRPr>
+            </a:lvl8pPr>
+            <a:lvl9pPr marL="4114800" indent="-384048" algn="l" defTabSz="914400" rtl="0" eaLnBrk="1" latinLnBrk="0" hangingPunct="1">
+              <a:lnSpc>
+                <a:spcPct val="94000"/>
+              </a:lnSpc>
+              <a:spcBef>
+                <a:spcPts val="500"/>
+              </a:spcBef>
+              <a:spcAft>
+                <a:spcPts val="200"/>
+              </a:spcAft>
+              <a:buFont typeface="Franklin Gothic Book" panose="020B0503020102020204" pitchFamily="34" charset="0"/>
+              <a:buChar char="■"/>
+              <a:defRPr sz="1400" kern="1200" baseline="0">
+                <a:solidFill>
+                  <a:schemeClr val="tx2"/>
+                </a:solidFill>
+                <a:latin typeface="+mn-lt"/>
+                <a:ea typeface="+mn-ea"/>
+                <a:cs typeface="+mn-cs"/>
+              </a:defRPr>
+            </a:lvl9pPr>
+          </a:lstStyle>
+          <a:p>
+            <a:r>
+              <a:rPr lang="en-US" dirty="0"/>
+              <a:t>19 total aspects found</a:t>
+            </a:r>
           </a:p>
         </p:txBody>
       </p:sp>
@@ -5349,7 +5609,7 @@
           <p:cNvPr id="2" name="Title 1">
             <a:extLst>
               <a:ext uri="{FF2B5EF4-FFF2-40B4-BE49-F238E27FC236}">
-                <a16:creationId xmlns:a16="http://schemas.microsoft.com/office/drawing/2014/main" id="{0AE0CCD9-92B5-4AE3-818E-400CE2767683}"/>
+                <a16:creationId xmlns:a16="http://schemas.microsoft.com/office/drawing/2014/main" id="{1DC9802A-1506-4C52-AFC1-DD66BB07AC5C}"/>
               </a:ext>
             </a:extLst>
           </p:cNvPr>
@@ -5377,7 +5637,7 @@
           <p:cNvPr id="4" name="Rectangle 1">
             <a:extLst>
               <a:ext uri="{FF2B5EF4-FFF2-40B4-BE49-F238E27FC236}">
-                <a16:creationId xmlns:a16="http://schemas.microsoft.com/office/drawing/2014/main" id="{5862EBE4-CA53-426D-B433-B9696D70735F}"/>
+                <a16:creationId xmlns:a16="http://schemas.microsoft.com/office/drawing/2014/main" id="{306F4122-A114-4841-8F10-BD986BA4A55B}"/>
               </a:ext>
             </a:extLst>
           </p:cNvPr>
@@ -5389,6 +5649,10 @@
           </p:nvPr>
         </p:nvSpPr>
         <p:spPr bwMode="auto">
+          <a:xfrm>
+            <a:off x="1694576" y="3429000"/>
+            <a:ext cx="1392572" cy="1061829"/>
+          </a:xfrm>
           <a:prstGeom prst="rect">
             <a:avLst/>
           </a:prstGeom>
@@ -5422,7 +5686,7 @@
           </a:extLst>
         </p:spPr>
         <p:txBody>
-          <a:bodyPr vert="horz" wrap="none" lIns="91440" tIns="45720" rIns="91440" bIns="45720" numCol="1" anchor="ctr" anchorCtr="0" compatLnSpc="1">
+          <a:bodyPr vert="horz" wrap="square" lIns="91440" tIns="45720" rIns="91440" bIns="45720" numCol="1" anchor="ctr" anchorCtr="0" compatLnSpc="1">
             <a:prstTxWarp prst="textNoShape">
               <a:avLst/>
             </a:prstTxWarp>
@@ -5430,7 +5694,7 @@
           </a:bodyPr>
           <a:lstStyle/>
           <a:p>
-            <a:pPr marL="0" marR="0" lvl="0" indent="0" algn="l" defTabSz="914400" rtl="0" eaLnBrk="0" fontAlgn="base" latinLnBrk="0" hangingPunct="0">
+            <a:pPr marL="0" lvl="0" indent="0" eaLnBrk="0" fontAlgn="base" hangingPunct="0">
               <a:lnSpc>
                 <a:spcPct val="100000"/>
               </a:lnSpc>
@@ -5440,205 +5704,377 @@
               <a:spcAft>
                 <a:spcPct val="0"/>
               </a:spcAft>
-              <a:buClrTx/>
-              <a:buSzTx/>
-              <a:buFontTx/>
-              <a:buNone/>
-              <a:tabLst/>
+              <a:buNone/>
             </a:pPr>
             <a:r>
-              <a:rPr kumimoji="0" lang="en-US" altLang="en-US" sz="900" b="0" i="0" u="none" strike="noStrike" cap="none" normalizeH="0" baseline="0">
-                <a:ln>
-                  <a:noFill/>
-                </a:ln>
+              <a:rPr lang="en-US" altLang="en-US" sz="900" dirty="0">
                 <a:solidFill>
                   <a:srgbClr val="000000"/>
                 </a:solidFill>
-                <a:effectLst/>
                 <a:latin typeface="Courier New" panose="02070309020205020404" pitchFamily="49" charset="0"/>
                 <a:cs typeface="Courier New" panose="02070309020205020404" pitchFamily="49" charset="0"/>
               </a:rPr>
               <a:t>keyboard 2 0 1</a:t>
             </a:r>
             <a:br>
-              <a:rPr kumimoji="0" lang="en-US" altLang="en-US" sz="900" b="0" i="0" u="none" strike="noStrike" cap="none" normalizeH="0" baseline="0">
-                <a:ln>
-                  <a:noFill/>
-                </a:ln>
+              <a:rPr lang="en-US" altLang="en-US" sz="900" dirty="0">
                 <a:solidFill>
                   <a:srgbClr val="000000"/>
                 </a:solidFill>
-                <a:effectLst/>
                 <a:latin typeface="Courier New" panose="02070309020205020404" pitchFamily="49" charset="0"/>
                 <a:cs typeface="Courier New" panose="02070309020205020404" pitchFamily="49" charset="0"/>
               </a:rPr>
             </a:br>
             <a:r>
-              <a:rPr kumimoji="0" lang="en-US" altLang="en-US" sz="900" b="0" i="0" u="none" strike="noStrike" cap="none" normalizeH="0" baseline="0">
-                <a:ln>
-                  <a:noFill/>
-                </a:ln>
+              <a:rPr lang="en-US" altLang="en-US" sz="900" dirty="0">
                 <a:solidFill>
                   <a:srgbClr val="000000"/>
                 </a:solidFill>
-                <a:effectLst/>
                 <a:latin typeface="Courier New" panose="02070309020205020404" pitchFamily="49" charset="0"/>
                 <a:cs typeface="Courier New" panose="02070309020205020404" pitchFamily="49" charset="0"/>
               </a:rPr>
               <a:t>buttons 3 0 0</a:t>
             </a:r>
             <a:br>
-              <a:rPr kumimoji="0" lang="en-US" altLang="en-US" sz="900" b="0" i="0" u="none" strike="noStrike" cap="none" normalizeH="0" baseline="0">
-                <a:ln>
-                  <a:noFill/>
-                </a:ln>
+              <a:rPr lang="en-US" altLang="en-US" sz="900" dirty="0">
                 <a:solidFill>
                   <a:srgbClr val="000000"/>
                 </a:solidFill>
-                <a:effectLst/>
                 <a:latin typeface="Courier New" panose="02070309020205020404" pitchFamily="49" charset="0"/>
                 <a:cs typeface="Courier New" panose="02070309020205020404" pitchFamily="49" charset="0"/>
               </a:rPr>
             </a:br>
             <a:r>
-              <a:rPr kumimoji="0" lang="en-US" altLang="en-US" sz="900" b="0" i="0" u="none" strike="noStrike" cap="none" normalizeH="0" baseline="0">
-                <a:ln>
-                  <a:noFill/>
-                </a:ln>
+              <a:rPr lang="en-US" altLang="en-US" sz="900" dirty="0">
                 <a:solidFill>
                   <a:srgbClr val="000000"/>
                 </a:solidFill>
-                <a:effectLst/>
                 <a:latin typeface="Courier New" panose="02070309020205020404" pitchFamily="49" charset="0"/>
                 <a:cs typeface="Courier New" panose="02070309020205020404" pitchFamily="49" charset="0"/>
               </a:rPr>
               <a:t>battery 1 0 2</a:t>
             </a:r>
             <a:br>
-              <a:rPr kumimoji="0" lang="en-US" altLang="en-US" sz="900" b="0" i="0" u="none" strike="noStrike" cap="none" normalizeH="0" baseline="0">
-                <a:ln>
-                  <a:noFill/>
-                </a:ln>
+              <a:rPr lang="en-US" altLang="en-US" sz="900" dirty="0">
                 <a:solidFill>
                   <a:srgbClr val="000000"/>
                 </a:solidFill>
-                <a:effectLst/>
                 <a:latin typeface="Courier New" panose="02070309020205020404" pitchFamily="49" charset="0"/>
                 <a:cs typeface="Courier New" panose="02070309020205020404" pitchFamily="49" charset="0"/>
               </a:rPr>
             </a:br>
             <a:r>
-              <a:rPr kumimoji="0" lang="en-US" altLang="en-US" sz="900" b="0" i="0" u="none" strike="noStrike" cap="none" normalizeH="0" baseline="0">
-                <a:ln>
-                  <a:noFill/>
-                </a:ln>
+              <a:rPr lang="en-US" altLang="en-US" sz="900" dirty="0">
                 <a:solidFill>
                   <a:srgbClr val="000000"/>
                 </a:solidFill>
-                <a:effectLst/>
                 <a:latin typeface="Courier New" panose="02070309020205020404" pitchFamily="49" charset="0"/>
                 <a:cs typeface="Courier New" panose="02070309020205020404" pitchFamily="49" charset="0"/>
               </a:rPr>
               <a:t>screen 1 0 0</a:t>
             </a:r>
             <a:br>
-              <a:rPr kumimoji="0" lang="en-US" altLang="en-US" sz="900" b="0" i="0" u="none" strike="noStrike" cap="none" normalizeH="0" baseline="0">
-                <a:ln>
-                  <a:noFill/>
-                </a:ln>
+              <a:rPr lang="en-US" altLang="en-US" sz="900" dirty="0">
                 <a:solidFill>
                   <a:srgbClr val="000000"/>
                 </a:solidFill>
-                <a:effectLst/>
                 <a:latin typeface="Courier New" panose="02070309020205020404" pitchFamily="49" charset="0"/>
                 <a:cs typeface="Courier New" panose="02070309020205020404" pitchFamily="49" charset="0"/>
               </a:rPr>
             </a:br>
             <a:r>
-              <a:rPr kumimoji="0" lang="en-US" altLang="en-US" sz="900" b="0" i="0" u="none" strike="noStrike" cap="none" normalizeH="0" baseline="0">
-                <a:ln>
-                  <a:noFill/>
-                </a:ln>
+              <a:rPr lang="en-US" altLang="en-US" sz="900" dirty="0">
                 <a:solidFill>
                   <a:srgbClr val="000000"/>
                 </a:solidFill>
-                <a:effectLst/>
                 <a:latin typeface="Courier New" panose="02070309020205020404" pitchFamily="49" charset="0"/>
                 <a:cs typeface="Courier New" panose="02070309020205020404" pitchFamily="49" charset="0"/>
               </a:rPr>
               <a:t>ring 1 0 0</a:t>
             </a:r>
             <a:br>
-              <a:rPr kumimoji="0" lang="en-US" altLang="en-US" sz="900" b="0" i="0" u="none" strike="noStrike" cap="none" normalizeH="0" baseline="0">
-                <a:ln>
-                  <a:noFill/>
-                </a:ln>
+              <a:rPr lang="en-US" altLang="en-US" sz="900" dirty="0">
                 <a:solidFill>
                   <a:srgbClr val="000000"/>
                 </a:solidFill>
-                <a:effectLst/>
                 <a:latin typeface="Courier New" panose="02070309020205020404" pitchFamily="49" charset="0"/>
                 <a:cs typeface="Courier New" panose="02070309020205020404" pitchFamily="49" charset="0"/>
               </a:rPr>
             </a:br>
             <a:r>
-              <a:rPr kumimoji="0" lang="en-US" altLang="en-US" sz="900" b="0" i="0" u="none" strike="noStrike" cap="none" normalizeH="0" baseline="0">
-                <a:ln>
-                  <a:noFill/>
-                </a:ln>
+              <a:rPr lang="en-US" altLang="en-US" sz="900" dirty="0">
                 <a:solidFill>
                   <a:srgbClr val="000000"/>
                 </a:solidFill>
-                <a:effectLst/>
                 <a:latin typeface="Courier New" panose="02070309020205020404" pitchFamily="49" charset="0"/>
                 <a:cs typeface="Courier New" panose="02070309020205020404" pitchFamily="49" charset="0"/>
               </a:rPr>
               <a:t>price 1 0 0</a:t>
             </a:r>
             <a:br>
-              <a:rPr kumimoji="0" lang="en-US" altLang="en-US" sz="900" b="0" i="0" u="none" strike="noStrike" cap="none" normalizeH="0" baseline="0">
-                <a:ln>
-                  <a:noFill/>
-                </a:ln>
+              <a:rPr lang="en-US" altLang="en-US" sz="900" dirty="0">
                 <a:solidFill>
                   <a:srgbClr val="000000"/>
                 </a:solidFill>
-                <a:effectLst/>
                 <a:latin typeface="Courier New" panose="02070309020205020404" pitchFamily="49" charset="0"/>
                 <a:cs typeface="Courier New" panose="02070309020205020404" pitchFamily="49" charset="0"/>
               </a:rPr>
             </a:br>
             <a:r>
-              <a:rPr kumimoji="0" lang="en-US" altLang="en-US" sz="900" b="0" i="0" u="none" strike="noStrike" cap="none" normalizeH="0" baseline="0">
-                <a:ln>
-                  <a:noFill/>
-                </a:ln>
+              <a:rPr lang="en-US" altLang="en-US" sz="900" dirty="0">
                 <a:solidFill>
                   <a:srgbClr val="000000"/>
                 </a:solidFill>
-                <a:effectLst/>
                 <a:latin typeface="Courier New" panose="02070309020205020404" pitchFamily="49" charset="0"/>
                 <a:cs typeface="Courier New" panose="02070309020205020404" pitchFamily="49" charset="0"/>
               </a:rPr>
               <a:t>setup 1 0 0</a:t>
             </a:r>
-            <a:endParaRPr kumimoji="0" lang="en-US" altLang="en-US" sz="1800" b="0" i="0" u="none" strike="noStrike" cap="none" normalizeH="0" baseline="0">
-              <a:ln>
-                <a:noFill/>
-              </a:ln>
+            <a:endParaRPr lang="en-US" altLang="en-US" sz="1800" dirty="0">
               <a:solidFill>
                 <a:schemeClr val="tx1"/>
               </a:solidFill>
-              <a:effectLst/>
               <a:latin typeface="Arial" panose="020B0604020202020204" pitchFamily="34" charset="0"/>
             </a:endParaRPr>
+          </a:p>
+        </p:txBody>
+      </p:sp>
+      <p:sp>
+        <p:nvSpPr>
+          <p:cNvPr id="5" name="Content Placeholder 2">
+            <a:extLst>
+              <a:ext uri="{FF2B5EF4-FFF2-40B4-BE49-F238E27FC236}">
+                <a16:creationId xmlns:a16="http://schemas.microsoft.com/office/drawing/2014/main" id="{7ADB908A-0762-439A-9A20-2C197A9CAEBC}"/>
+              </a:ext>
+            </a:extLst>
+          </p:cNvPr>
+          <p:cNvSpPr txBox="1">
+            <a:spLocks/>
+          </p:cNvSpPr>
+          <p:nvPr/>
+        </p:nvSpPr>
+        <p:spPr>
+          <a:xfrm>
+            <a:off x="1694576" y="2291593"/>
+            <a:ext cx="7004807" cy="3581400"/>
+          </a:xfrm>
+          <a:prstGeom prst="rect">
+            <a:avLst/>
+          </a:prstGeom>
+        </p:spPr>
+        <p:txBody>
+          <a:bodyPr vert="horz" lIns="91440" tIns="45720" rIns="91440" bIns="45720" rtlCol="0">
+            <a:normAutofit/>
+          </a:bodyPr>
+          <a:lstStyle>
+            <a:lvl1pPr marL="384048" indent="-384048" algn="l" defTabSz="914400" rtl="0" eaLnBrk="1" latinLnBrk="0" hangingPunct="1">
+              <a:lnSpc>
+                <a:spcPct val="94000"/>
+              </a:lnSpc>
+              <a:spcBef>
+                <a:spcPts val="1000"/>
+              </a:spcBef>
+              <a:spcAft>
+                <a:spcPts val="200"/>
+              </a:spcAft>
+              <a:buFont typeface="Franklin Gothic Book" panose="020B0503020102020204" pitchFamily="34" charset="0"/>
+              <a:buChar char="■"/>
+              <a:defRPr sz="2000" kern="1200" baseline="0">
+                <a:solidFill>
+                  <a:schemeClr val="tx2"/>
+                </a:solidFill>
+                <a:latin typeface="+mn-lt"/>
+                <a:ea typeface="+mn-ea"/>
+                <a:cs typeface="+mn-cs"/>
+              </a:defRPr>
+            </a:lvl1pPr>
+            <a:lvl2pPr marL="914400" indent="-384048" algn="l" defTabSz="914400" rtl="0" eaLnBrk="1" latinLnBrk="0" hangingPunct="1">
+              <a:lnSpc>
+                <a:spcPct val="94000"/>
+              </a:lnSpc>
+              <a:spcBef>
+                <a:spcPts val="500"/>
+              </a:spcBef>
+              <a:spcAft>
+                <a:spcPts val="200"/>
+              </a:spcAft>
+              <a:buFont typeface="Franklin Gothic Book" panose="020B0503020102020204" pitchFamily="34" charset="0"/>
+              <a:buChar char="–"/>
+              <a:defRPr sz="2000" i="1" kern="1200" baseline="0">
+                <a:solidFill>
+                  <a:schemeClr val="tx2"/>
+                </a:solidFill>
+                <a:latin typeface="+mn-lt"/>
+                <a:ea typeface="+mn-ea"/>
+                <a:cs typeface="+mn-cs"/>
+              </a:defRPr>
+            </a:lvl2pPr>
+            <a:lvl3pPr marL="1371600" indent="-384048" algn="l" defTabSz="914400" rtl="0" eaLnBrk="1" latinLnBrk="0" hangingPunct="1">
+              <a:lnSpc>
+                <a:spcPct val="94000"/>
+              </a:lnSpc>
+              <a:spcBef>
+                <a:spcPts val="500"/>
+              </a:spcBef>
+              <a:spcAft>
+                <a:spcPts val="200"/>
+              </a:spcAft>
+              <a:buFont typeface="Franklin Gothic Book" panose="020B0503020102020204" pitchFamily="34" charset="0"/>
+              <a:buChar char="■"/>
+              <a:defRPr sz="1800" kern="1200" baseline="0">
+                <a:solidFill>
+                  <a:schemeClr val="tx2"/>
+                </a:solidFill>
+                <a:latin typeface="+mn-lt"/>
+                <a:ea typeface="+mn-ea"/>
+                <a:cs typeface="+mn-cs"/>
+              </a:defRPr>
+            </a:lvl3pPr>
+            <a:lvl4pPr marL="1828800" indent="-384048" algn="l" defTabSz="914400" rtl="0" eaLnBrk="1" latinLnBrk="0" hangingPunct="1">
+              <a:lnSpc>
+                <a:spcPct val="94000"/>
+              </a:lnSpc>
+              <a:spcBef>
+                <a:spcPts val="500"/>
+              </a:spcBef>
+              <a:spcAft>
+                <a:spcPts val="200"/>
+              </a:spcAft>
+              <a:buFont typeface="Franklin Gothic Book" panose="020B0503020102020204" pitchFamily="34" charset="0"/>
+              <a:buChar char="–"/>
+              <a:defRPr sz="1800" i="1" kern="1200" baseline="0">
+                <a:solidFill>
+                  <a:schemeClr val="tx2"/>
+                </a:solidFill>
+                <a:latin typeface="+mn-lt"/>
+                <a:ea typeface="+mn-ea"/>
+                <a:cs typeface="+mn-cs"/>
+              </a:defRPr>
+            </a:lvl4pPr>
+            <a:lvl5pPr marL="2286000" indent="-384048" algn="l" defTabSz="914400" rtl="0" eaLnBrk="1" latinLnBrk="0" hangingPunct="1">
+              <a:lnSpc>
+                <a:spcPct val="94000"/>
+              </a:lnSpc>
+              <a:spcBef>
+                <a:spcPts val="500"/>
+              </a:spcBef>
+              <a:spcAft>
+                <a:spcPts val="200"/>
+              </a:spcAft>
+              <a:buFont typeface="Franklin Gothic Book" panose="020B0503020102020204" pitchFamily="34" charset="0"/>
+              <a:buChar char="■"/>
+              <a:defRPr sz="1600" kern="1200" baseline="0">
+                <a:solidFill>
+                  <a:schemeClr val="tx2"/>
+                </a:solidFill>
+                <a:latin typeface="+mn-lt"/>
+                <a:ea typeface="+mn-ea"/>
+                <a:cs typeface="+mn-cs"/>
+              </a:defRPr>
+            </a:lvl5pPr>
+            <a:lvl6pPr marL="2743200" indent="-384048" algn="l" defTabSz="914400" rtl="0" eaLnBrk="1" latinLnBrk="0" hangingPunct="1">
+              <a:lnSpc>
+                <a:spcPct val="94000"/>
+              </a:lnSpc>
+              <a:spcBef>
+                <a:spcPts val="500"/>
+              </a:spcBef>
+              <a:spcAft>
+                <a:spcPts val="200"/>
+              </a:spcAft>
+              <a:buFont typeface="Franklin Gothic Book" panose="020B0503020102020204" pitchFamily="34" charset="0"/>
+              <a:buChar char="–"/>
+              <a:defRPr sz="1600" i="1" kern="1200" baseline="0">
+                <a:solidFill>
+                  <a:schemeClr val="tx2"/>
+                </a:solidFill>
+                <a:latin typeface="+mn-lt"/>
+                <a:ea typeface="+mn-ea"/>
+                <a:cs typeface="+mn-cs"/>
+              </a:defRPr>
+            </a:lvl6pPr>
+            <a:lvl7pPr marL="3200400" indent="-384048" algn="l" defTabSz="914400" rtl="0" eaLnBrk="1" latinLnBrk="0" hangingPunct="1">
+              <a:lnSpc>
+                <a:spcPct val="94000"/>
+              </a:lnSpc>
+              <a:spcBef>
+                <a:spcPts val="500"/>
+              </a:spcBef>
+              <a:spcAft>
+                <a:spcPts val="200"/>
+              </a:spcAft>
+              <a:buFont typeface="Franklin Gothic Book" panose="020B0503020102020204" pitchFamily="34" charset="0"/>
+              <a:buChar char="■"/>
+              <a:defRPr sz="1400" kern="1200" baseline="0">
+                <a:solidFill>
+                  <a:schemeClr val="tx2"/>
+                </a:solidFill>
+                <a:latin typeface="+mn-lt"/>
+                <a:ea typeface="+mn-ea"/>
+                <a:cs typeface="+mn-cs"/>
+              </a:defRPr>
+            </a:lvl7pPr>
+            <a:lvl8pPr marL="3657600" indent="-384048" algn="l" defTabSz="914400" rtl="0" eaLnBrk="1" latinLnBrk="0" hangingPunct="1">
+              <a:lnSpc>
+                <a:spcPct val="94000"/>
+              </a:lnSpc>
+              <a:spcBef>
+                <a:spcPts val="500"/>
+              </a:spcBef>
+              <a:spcAft>
+                <a:spcPts val="200"/>
+              </a:spcAft>
+              <a:buFont typeface="Franklin Gothic Book" panose="020B0503020102020204" pitchFamily="34" charset="0"/>
+              <a:buChar char="–"/>
+              <a:defRPr sz="1400" i="1" kern="1200" baseline="0">
+                <a:solidFill>
+                  <a:schemeClr val="tx2"/>
+                </a:solidFill>
+                <a:latin typeface="+mn-lt"/>
+                <a:ea typeface="+mn-ea"/>
+                <a:cs typeface="+mn-cs"/>
+              </a:defRPr>
+            </a:lvl8pPr>
+            <a:lvl9pPr marL="4114800" indent="-384048" algn="l" defTabSz="914400" rtl="0" eaLnBrk="1" latinLnBrk="0" hangingPunct="1">
+              <a:lnSpc>
+                <a:spcPct val="94000"/>
+              </a:lnSpc>
+              <a:spcBef>
+                <a:spcPts val="500"/>
+              </a:spcBef>
+              <a:spcAft>
+                <a:spcPts val="200"/>
+              </a:spcAft>
+              <a:buFont typeface="Franklin Gothic Book" panose="020B0503020102020204" pitchFamily="34" charset="0"/>
+              <a:buChar char="■"/>
+              <a:defRPr sz="1400" kern="1200" baseline="0">
+                <a:solidFill>
+                  <a:schemeClr val="tx2"/>
+                </a:solidFill>
+                <a:latin typeface="+mn-lt"/>
+                <a:ea typeface="+mn-ea"/>
+                <a:cs typeface="+mn-cs"/>
+              </a:defRPr>
+            </a:lvl9pPr>
+          </a:lstStyle>
+          <a:p>
+            <a:r>
+              <a:rPr lang="en-US" dirty="0"/>
+              <a:t>7 correct aspects found</a:t>
+            </a:r>
+          </a:p>
+          <a:p>
+            <a:r>
+              <a:rPr lang="en-US" dirty="0"/>
+              <a:t>5/7 aspects have correct count</a:t>
+            </a:r>
           </a:p>
         </p:txBody>
       </p:sp>
     </p:spTree>
     <p:extLst>
       <p:ext uri="{BB962C8B-B14F-4D97-AF65-F5344CB8AC3E}">
-        <p14:creationId xmlns:p14="http://schemas.microsoft.com/office/powerpoint/2010/main" val="1086474788"/>
+        <p14:creationId xmlns:p14="http://schemas.microsoft.com/office/powerpoint/2010/main" val="2892525983"/>
       </p:ext>
     </p:extLst>
   </p:cSld>

--- a/presentation.pptx
+++ b/presentation.pptx
@@ -14,7 +14,8 @@
     <p:sldId id="265" r:id="rId8"/>
     <p:sldId id="260" r:id="rId9"/>
     <p:sldId id="266" r:id="rId10"/>
-    <p:sldId id="262" r:id="rId11"/>
+    <p:sldId id="267" r:id="rId11"/>
+    <p:sldId id="262" r:id="rId12"/>
   </p:sldIdLst>
   <p:sldSz cx="12192000" cy="6858000"/>
   <p:notesSz cx="6858000" cy="9144000"/>
@@ -291,7 +292,7 @@
             <a:fld id="{87DE6118-2437-4B30-8E3C-4D2BE6020583}" type="datetimeFigureOut">
               <a:rPr lang="en-US" dirty="0"/>
               <a:pPr/>
-              <a:t>5/8/2019</a:t>
+              <a:t>5/9/2019</a:t>
             </a:fld>
             <a:endParaRPr lang="en-US" dirty="0"/>
           </a:p>
@@ -617,7 +618,7 @@
           <a:p>
             <a:fld id="{87DE6118-2437-4B30-8E3C-4D2BE6020583}" type="datetimeFigureOut">
               <a:rPr lang="en-US" dirty="0"/>
-              <a:t>5/8/2019</a:t>
+              <a:t>5/9/2019</a:t>
             </a:fld>
             <a:endParaRPr lang="en-US" dirty="0"/>
           </a:p>
@@ -792,7 +793,7 @@
           <a:p>
             <a:fld id="{87DE6118-2437-4B30-8E3C-4D2BE6020583}" type="datetimeFigureOut">
               <a:rPr lang="en-US" dirty="0"/>
-              <a:t>5/8/2019</a:t>
+              <a:t>5/9/2019</a:t>
             </a:fld>
             <a:endParaRPr lang="en-US" dirty="0"/>
           </a:p>
@@ -957,7 +958,7 @@
           <a:p>
             <a:fld id="{87DE6118-2437-4B30-8E3C-4D2BE6020583}" type="datetimeFigureOut">
               <a:rPr lang="en-US" dirty="0"/>
-              <a:t>5/8/2019</a:t>
+              <a:t>5/9/2019</a:t>
             </a:fld>
             <a:endParaRPr lang="en-US" dirty="0"/>
           </a:p>
@@ -1230,7 +1231,7 @@
             <a:fld id="{87DE6118-2437-4B30-8E3C-4D2BE6020583}" type="datetimeFigureOut">
               <a:rPr lang="en-US" dirty="0"/>
               <a:pPr/>
-              <a:t>5/8/2019</a:t>
+              <a:t>5/9/2019</a:t>
             </a:fld>
             <a:endParaRPr lang="en-US" dirty="0"/>
           </a:p>
@@ -1620,7 +1621,7 @@
           <a:p>
             <a:fld id="{87DE6118-2437-4B30-8E3C-4D2BE6020583}" type="datetimeFigureOut">
               <a:rPr lang="en-US" dirty="0"/>
-              <a:t>5/8/2019</a:t>
+              <a:t>5/9/2019</a:t>
             </a:fld>
             <a:endParaRPr lang="en-US" dirty="0"/>
           </a:p>
@@ -2092,7 +2093,7 @@
           <a:p>
             <a:fld id="{87DE6118-2437-4B30-8E3C-4D2BE6020583}" type="datetimeFigureOut">
               <a:rPr lang="en-US" dirty="0"/>
-              <a:t>5/8/2019</a:t>
+              <a:t>5/9/2019</a:t>
             </a:fld>
             <a:endParaRPr lang="en-US" dirty="0"/>
           </a:p>
@@ -2205,7 +2206,7 @@
           <a:p>
             <a:fld id="{87DE6118-2437-4B30-8E3C-4D2BE6020583}" type="datetimeFigureOut">
               <a:rPr lang="en-US" dirty="0"/>
-              <a:t>5/8/2019</a:t>
+              <a:t>5/9/2019</a:t>
             </a:fld>
             <a:endParaRPr lang="en-US" dirty="0"/>
           </a:p>
@@ -2295,7 +2296,7 @@
           <a:p>
             <a:fld id="{87DE6118-2437-4B30-8E3C-4D2BE6020583}" type="datetimeFigureOut">
               <a:rPr lang="en-US" dirty="0"/>
-              <a:t>5/8/2019</a:t>
+              <a:t>5/9/2019</a:t>
             </a:fld>
             <a:endParaRPr lang="en-US" dirty="0"/>
           </a:p>
@@ -2637,7 +2638,7 @@
             <a:fld id="{87DE6118-2437-4B30-8E3C-4D2BE6020583}" type="datetimeFigureOut">
               <a:rPr lang="en-US" dirty="0"/>
               <a:pPr/>
-              <a:t>5/8/2019</a:t>
+              <a:t>5/9/2019</a:t>
             </a:fld>
             <a:endParaRPr lang="en-US" dirty="0"/>
           </a:p>
@@ -3022,7 +3023,7 @@
             <a:fld id="{87DE6118-2437-4B30-8E3C-4D2BE6020583}" type="datetimeFigureOut">
               <a:rPr lang="en-US" dirty="0"/>
               <a:pPr/>
-              <a:t>5/8/2019</a:t>
+              <a:t>5/9/2019</a:t>
             </a:fld>
             <a:endParaRPr lang="en-US" dirty="0"/>
           </a:p>
@@ -3297,7 +3298,7 @@
             <a:fld id="{87DE6118-2437-4B30-8E3C-4D2BE6020583}" type="datetimeFigureOut">
               <a:rPr lang="en-US" dirty="0"/>
               <a:pPr/>
-              <a:t>5/8/2019</a:t>
+              <a:t>5/9/2019</a:t>
             </a:fld>
             <a:endParaRPr lang="en-US" dirty="0"/>
           </a:p>
@@ -3896,6 +3897,456 @@
           <p:cNvPr id="2" name="Title 1">
             <a:extLst>
               <a:ext uri="{FF2B5EF4-FFF2-40B4-BE49-F238E27FC236}">
+                <a16:creationId xmlns:a16="http://schemas.microsoft.com/office/drawing/2014/main" id="{53C2B2A6-423C-4577-91EE-96442E134079}"/>
+              </a:ext>
+            </a:extLst>
+          </p:cNvPr>
+          <p:cNvSpPr>
+            <a:spLocks noGrp="1"/>
+          </p:cNvSpPr>
+          <p:nvPr>
+            <p:ph type="title"/>
+          </p:nvPr>
+        </p:nvSpPr>
+        <p:spPr/>
+        <p:txBody>
+          <a:bodyPr/>
+          <a:lstStyle/>
+          <a:p>
+            <a:r>
+              <a:rPr lang="en-US" dirty="0"/>
+              <a:t>Future Improvements</a:t>
+            </a:r>
+          </a:p>
+        </p:txBody>
+      </p:sp>
+      <p:sp>
+        <p:nvSpPr>
+          <p:cNvPr id="3" name="Content Placeholder 2">
+            <a:extLst>
+              <a:ext uri="{FF2B5EF4-FFF2-40B4-BE49-F238E27FC236}">
+                <a16:creationId xmlns:a16="http://schemas.microsoft.com/office/drawing/2014/main" id="{3EFF302F-7E52-4773-B54D-102175C0DEE1}"/>
+              </a:ext>
+            </a:extLst>
+          </p:cNvPr>
+          <p:cNvSpPr>
+            <a:spLocks noGrp="1"/>
+          </p:cNvSpPr>
+          <p:nvPr>
+            <p:ph idx="1"/>
+          </p:nvPr>
+        </p:nvSpPr>
+        <p:spPr/>
+        <p:txBody>
+          <a:bodyPr/>
+          <a:lstStyle/>
+          <a:p>
+            <a:r>
+              <a:rPr lang="en-US" dirty="0"/>
+              <a:t>Nondeterminism with the </a:t>
+            </a:r>
+            <a:r>
+              <a:rPr lang="en-US" dirty="0" err="1"/>
+              <a:t>CoreNLP</a:t>
+            </a:r>
+            <a:r>
+              <a:rPr lang="en-US" dirty="0"/>
+              <a:t> Dependency Parser</a:t>
+            </a:r>
+          </a:p>
+          <a:p>
+            <a:pPr lvl="1"/>
+            <a:r>
+              <a:rPr lang="en-US" dirty="0"/>
+              <a:t>“There is no guarantee that the same algorithm will be used to compute the requested function on each invocation”</a:t>
+            </a:r>
+            <a:r>
+              <a:rPr lang="en-US" i="0" dirty="0"/>
+              <a:t> – </a:t>
+            </a:r>
+            <a:r>
+              <a:rPr lang="en-US" i="0" dirty="0" err="1"/>
+              <a:t>Standford’s</a:t>
+            </a:r>
+            <a:r>
+              <a:rPr lang="en-US" i="0" dirty="0"/>
+              <a:t> </a:t>
+            </a:r>
+            <a:r>
+              <a:rPr lang="en-US" i="0" dirty="0" err="1"/>
+              <a:t>CoreNLP</a:t>
+            </a:r>
+            <a:r>
+              <a:rPr lang="en-US" i="0" dirty="0"/>
+              <a:t> homepage</a:t>
+            </a:r>
+          </a:p>
+          <a:p>
+            <a:r>
+              <a:rPr lang="en-US" dirty="0"/>
+              <a:t>Combining aspects</a:t>
+            </a:r>
+          </a:p>
+        </p:txBody>
+      </p:sp>
+      <p:sp>
+        <p:nvSpPr>
+          <p:cNvPr id="5" name="Rectangle 1">
+            <a:extLst>
+              <a:ext uri="{FF2B5EF4-FFF2-40B4-BE49-F238E27FC236}">
+                <a16:creationId xmlns:a16="http://schemas.microsoft.com/office/drawing/2014/main" id="{ED447FB1-BEB8-4644-8BFE-0E8A823A9E61}"/>
+              </a:ext>
+            </a:extLst>
+          </p:cNvPr>
+          <p:cNvSpPr txBox="1">
+            <a:spLocks noChangeArrowheads="1"/>
+          </p:cNvSpPr>
+          <p:nvPr/>
+        </p:nvSpPr>
+        <p:spPr bwMode="auto">
+          <a:xfrm>
+            <a:off x="1860176" y="3776618"/>
+            <a:ext cx="1541929" cy="600164"/>
+          </a:xfrm>
+          <a:prstGeom prst="rect">
+            <a:avLst/>
+          </a:prstGeom>
+          <a:solidFill>
+            <a:srgbClr val="FFFFFF"/>
+          </a:solidFill>
+          <a:ln>
+            <a:noFill/>
+          </a:ln>
+          <a:effectLst/>
+          <a:extLst>
+            <a:ext uri="{91240B29-F687-4F45-9708-019B960494DF}">
+              <a14:hiddenLine xmlns:a14="http://schemas.microsoft.com/office/drawing/2010/main" w="9525">
+                <a:solidFill>
+                  <a:schemeClr val="tx1"/>
+                </a:solidFill>
+                <a:miter lim="800000"/>
+                <a:headEnd/>
+                <a:tailEnd/>
+              </a14:hiddenLine>
+            </a:ext>
+            <a:ext uri="{AF507438-7753-43E0-B8FC-AC1667EBCBE1}">
+              <a14:hiddenEffects xmlns:a14="http://schemas.microsoft.com/office/drawing/2010/main">
+                <a:effectLst>
+                  <a:outerShdw dist="35921" dir="2700000" algn="ctr" rotWithShape="0">
+                    <a:schemeClr val="bg2"/>
+                  </a:outerShdw>
+                </a:effectLst>
+              </a14:hiddenEffects>
+            </a:ext>
+          </a:extLst>
+        </p:spPr>
+        <p:txBody>
+          <a:bodyPr vert="horz" wrap="square" lIns="91440" tIns="45720" rIns="91440" bIns="45720" numCol="1" rtlCol="0" anchor="ctr" anchorCtr="0" compatLnSpc="1">
+            <a:prstTxWarp prst="textNoShape">
+              <a:avLst/>
+            </a:prstTxWarp>
+            <a:spAutoFit/>
+          </a:bodyPr>
+          <a:lstStyle>
+            <a:lvl1pPr marL="384048" indent="-384048" algn="l" defTabSz="914400" rtl="0" eaLnBrk="1" latinLnBrk="0" hangingPunct="1">
+              <a:lnSpc>
+                <a:spcPct val="94000"/>
+              </a:lnSpc>
+              <a:spcBef>
+                <a:spcPts val="1000"/>
+              </a:spcBef>
+              <a:spcAft>
+                <a:spcPts val="200"/>
+              </a:spcAft>
+              <a:buFont typeface="Franklin Gothic Book" panose="020B0503020102020204" pitchFamily="34" charset="0"/>
+              <a:buChar char="■"/>
+              <a:defRPr sz="2000" kern="1200" baseline="0">
+                <a:solidFill>
+                  <a:schemeClr val="tx2"/>
+                </a:solidFill>
+                <a:latin typeface="+mn-lt"/>
+                <a:ea typeface="+mn-ea"/>
+                <a:cs typeface="+mn-cs"/>
+              </a:defRPr>
+            </a:lvl1pPr>
+            <a:lvl2pPr marL="914400" indent="-384048" algn="l" defTabSz="914400" rtl="0" eaLnBrk="1" latinLnBrk="0" hangingPunct="1">
+              <a:lnSpc>
+                <a:spcPct val="94000"/>
+              </a:lnSpc>
+              <a:spcBef>
+                <a:spcPts val="500"/>
+              </a:spcBef>
+              <a:spcAft>
+                <a:spcPts val="200"/>
+              </a:spcAft>
+              <a:buFont typeface="Franklin Gothic Book" panose="020B0503020102020204" pitchFamily="34" charset="0"/>
+              <a:buChar char="–"/>
+              <a:defRPr sz="2000" i="1" kern="1200" baseline="0">
+                <a:solidFill>
+                  <a:schemeClr val="tx2"/>
+                </a:solidFill>
+                <a:latin typeface="+mn-lt"/>
+                <a:ea typeface="+mn-ea"/>
+                <a:cs typeface="+mn-cs"/>
+              </a:defRPr>
+            </a:lvl2pPr>
+            <a:lvl3pPr marL="1371600" indent="-384048" algn="l" defTabSz="914400" rtl="0" eaLnBrk="1" latinLnBrk="0" hangingPunct="1">
+              <a:lnSpc>
+                <a:spcPct val="94000"/>
+              </a:lnSpc>
+              <a:spcBef>
+                <a:spcPts val="500"/>
+              </a:spcBef>
+              <a:spcAft>
+                <a:spcPts val="200"/>
+              </a:spcAft>
+              <a:buFont typeface="Franklin Gothic Book" panose="020B0503020102020204" pitchFamily="34" charset="0"/>
+              <a:buChar char="■"/>
+              <a:defRPr sz="1800" kern="1200" baseline="0">
+                <a:solidFill>
+                  <a:schemeClr val="tx2"/>
+                </a:solidFill>
+                <a:latin typeface="+mn-lt"/>
+                <a:ea typeface="+mn-ea"/>
+                <a:cs typeface="+mn-cs"/>
+              </a:defRPr>
+            </a:lvl3pPr>
+            <a:lvl4pPr marL="1828800" indent="-384048" algn="l" defTabSz="914400" rtl="0" eaLnBrk="1" latinLnBrk="0" hangingPunct="1">
+              <a:lnSpc>
+                <a:spcPct val="94000"/>
+              </a:lnSpc>
+              <a:spcBef>
+                <a:spcPts val="500"/>
+              </a:spcBef>
+              <a:spcAft>
+                <a:spcPts val="200"/>
+              </a:spcAft>
+              <a:buFont typeface="Franklin Gothic Book" panose="020B0503020102020204" pitchFamily="34" charset="0"/>
+              <a:buChar char="–"/>
+              <a:defRPr sz="1800" i="1" kern="1200" baseline="0">
+                <a:solidFill>
+                  <a:schemeClr val="tx2"/>
+                </a:solidFill>
+                <a:latin typeface="+mn-lt"/>
+                <a:ea typeface="+mn-ea"/>
+                <a:cs typeface="+mn-cs"/>
+              </a:defRPr>
+            </a:lvl4pPr>
+            <a:lvl5pPr marL="2286000" indent="-384048" algn="l" defTabSz="914400" rtl="0" eaLnBrk="1" latinLnBrk="0" hangingPunct="1">
+              <a:lnSpc>
+                <a:spcPct val="94000"/>
+              </a:lnSpc>
+              <a:spcBef>
+                <a:spcPts val="500"/>
+              </a:spcBef>
+              <a:spcAft>
+                <a:spcPts val="200"/>
+              </a:spcAft>
+              <a:buFont typeface="Franklin Gothic Book" panose="020B0503020102020204" pitchFamily="34" charset="0"/>
+              <a:buChar char="■"/>
+              <a:defRPr sz="1600" kern="1200" baseline="0">
+                <a:solidFill>
+                  <a:schemeClr val="tx2"/>
+                </a:solidFill>
+                <a:latin typeface="+mn-lt"/>
+                <a:ea typeface="+mn-ea"/>
+                <a:cs typeface="+mn-cs"/>
+              </a:defRPr>
+            </a:lvl5pPr>
+            <a:lvl6pPr marL="2743200" indent="-384048" algn="l" defTabSz="914400" rtl="0" eaLnBrk="1" latinLnBrk="0" hangingPunct="1">
+              <a:lnSpc>
+                <a:spcPct val="94000"/>
+              </a:lnSpc>
+              <a:spcBef>
+                <a:spcPts val="500"/>
+              </a:spcBef>
+              <a:spcAft>
+                <a:spcPts val="200"/>
+              </a:spcAft>
+              <a:buFont typeface="Franklin Gothic Book" panose="020B0503020102020204" pitchFamily="34" charset="0"/>
+              <a:buChar char="–"/>
+              <a:defRPr sz="1600" i="1" kern="1200" baseline="0">
+                <a:solidFill>
+                  <a:schemeClr val="tx2"/>
+                </a:solidFill>
+                <a:latin typeface="+mn-lt"/>
+                <a:ea typeface="+mn-ea"/>
+                <a:cs typeface="+mn-cs"/>
+              </a:defRPr>
+            </a:lvl6pPr>
+            <a:lvl7pPr marL="3200400" indent="-384048" algn="l" defTabSz="914400" rtl="0" eaLnBrk="1" latinLnBrk="0" hangingPunct="1">
+              <a:lnSpc>
+                <a:spcPct val="94000"/>
+              </a:lnSpc>
+              <a:spcBef>
+                <a:spcPts val="500"/>
+              </a:spcBef>
+              <a:spcAft>
+                <a:spcPts val="200"/>
+              </a:spcAft>
+              <a:buFont typeface="Franklin Gothic Book" panose="020B0503020102020204" pitchFamily="34" charset="0"/>
+              <a:buChar char="■"/>
+              <a:defRPr sz="1400" kern="1200" baseline="0">
+                <a:solidFill>
+                  <a:schemeClr val="tx2"/>
+                </a:solidFill>
+                <a:latin typeface="+mn-lt"/>
+                <a:ea typeface="+mn-ea"/>
+                <a:cs typeface="+mn-cs"/>
+              </a:defRPr>
+            </a:lvl7pPr>
+            <a:lvl8pPr marL="3657600" indent="-384048" algn="l" defTabSz="914400" rtl="0" eaLnBrk="1" latinLnBrk="0" hangingPunct="1">
+              <a:lnSpc>
+                <a:spcPct val="94000"/>
+              </a:lnSpc>
+              <a:spcBef>
+                <a:spcPts val="500"/>
+              </a:spcBef>
+              <a:spcAft>
+                <a:spcPts val="200"/>
+              </a:spcAft>
+              <a:buFont typeface="Franklin Gothic Book" panose="020B0503020102020204" pitchFamily="34" charset="0"/>
+              <a:buChar char="–"/>
+              <a:defRPr sz="1400" i="1" kern="1200" baseline="0">
+                <a:solidFill>
+                  <a:schemeClr val="tx2"/>
+                </a:solidFill>
+                <a:latin typeface="+mn-lt"/>
+                <a:ea typeface="+mn-ea"/>
+                <a:cs typeface="+mn-cs"/>
+              </a:defRPr>
+            </a:lvl8pPr>
+            <a:lvl9pPr marL="4114800" indent="-384048" algn="l" defTabSz="914400" rtl="0" eaLnBrk="1" latinLnBrk="0" hangingPunct="1">
+              <a:lnSpc>
+                <a:spcPct val="94000"/>
+              </a:lnSpc>
+              <a:spcBef>
+                <a:spcPts val="500"/>
+              </a:spcBef>
+              <a:spcAft>
+                <a:spcPts val="200"/>
+              </a:spcAft>
+              <a:buFont typeface="Franklin Gothic Book" panose="020B0503020102020204" pitchFamily="34" charset="0"/>
+              <a:buChar char="■"/>
+              <a:defRPr sz="1400" kern="1200" baseline="0">
+                <a:solidFill>
+                  <a:schemeClr val="tx2"/>
+                </a:solidFill>
+                <a:latin typeface="+mn-lt"/>
+                <a:ea typeface="+mn-ea"/>
+                <a:cs typeface="+mn-cs"/>
+              </a:defRPr>
+            </a:lvl9pPr>
+          </a:lstStyle>
+          <a:p>
+            <a:pPr marL="0" lvl="0" indent="0" eaLnBrk="0" fontAlgn="base" hangingPunct="0">
+              <a:lnSpc>
+                <a:spcPct val="100000"/>
+              </a:lnSpc>
+              <a:spcBef>
+                <a:spcPct val="0"/>
+              </a:spcBef>
+              <a:spcAft>
+                <a:spcPct val="0"/>
+              </a:spcAft>
+              <a:buNone/>
+            </a:pPr>
+            <a:r>
+              <a:rPr lang="en-US" altLang="en-US" sz="1100" dirty="0">
+                <a:solidFill>
+                  <a:srgbClr val="000000"/>
+                </a:solidFill>
+                <a:latin typeface="Courier New" panose="02070309020205020404" pitchFamily="49" charset="0"/>
+                <a:cs typeface="Courier New" panose="02070309020205020404" pitchFamily="49" charset="0"/>
+              </a:rPr>
+              <a:t>reception  1 0 0</a:t>
+            </a:r>
+          </a:p>
+          <a:p>
+            <a:pPr marL="0" lvl="0" indent="0" eaLnBrk="0" fontAlgn="base" hangingPunct="0">
+              <a:lnSpc>
+                <a:spcPct val="100000"/>
+              </a:lnSpc>
+              <a:spcBef>
+                <a:spcPct val="0"/>
+              </a:spcBef>
+              <a:spcAft>
+                <a:spcPct val="0"/>
+              </a:spcAft>
+              <a:buNone/>
+            </a:pPr>
+            <a:r>
+              <a:rPr lang="en-US" altLang="en-US" sz="1100" dirty="0">
+                <a:solidFill>
+                  <a:srgbClr val="000000"/>
+                </a:solidFill>
+                <a:latin typeface="Courier New" panose="02070309020205020404" pitchFamily="49" charset="0"/>
+                <a:cs typeface="Courier New" panose="02070309020205020404" pitchFamily="49" charset="0"/>
+              </a:rPr>
+              <a:t>signal     1 0 0</a:t>
+            </a:r>
+          </a:p>
+          <a:p>
+            <a:pPr marL="0" lvl="0" indent="0" eaLnBrk="0" fontAlgn="base" hangingPunct="0">
+              <a:lnSpc>
+                <a:spcPct val="100000"/>
+              </a:lnSpc>
+              <a:spcBef>
+                <a:spcPct val="0"/>
+              </a:spcBef>
+              <a:spcAft>
+                <a:spcPct val="0"/>
+              </a:spcAft>
+              <a:buNone/>
+            </a:pPr>
+            <a:r>
+              <a:rPr lang="en-US" altLang="en-US" sz="1100" dirty="0">
+                <a:solidFill>
+                  <a:srgbClr val="000000"/>
+                </a:solidFill>
+                <a:latin typeface="Courier New" panose="02070309020205020404" pitchFamily="49" charset="0"/>
+                <a:cs typeface="Courier New" panose="02070309020205020404" pitchFamily="49" charset="0"/>
+              </a:rPr>
+              <a:t>call       2 0 0</a:t>
+            </a:r>
+          </a:p>
+        </p:txBody>
+      </p:sp>
+    </p:spTree>
+    <p:extLst>
+      <p:ext uri="{BB962C8B-B14F-4D97-AF65-F5344CB8AC3E}">
+        <p14:creationId xmlns:p14="http://schemas.microsoft.com/office/powerpoint/2010/main" val="3825951762"/>
+      </p:ext>
+    </p:extLst>
+  </p:cSld>
+  <p:clrMapOvr>
+    <a:masterClrMapping/>
+  </p:clrMapOvr>
+</p:sld>
+</file>
+
+<file path=ppt/slides/slide11.xml><?xml version="1.0" encoding="utf-8"?>
+<p:sld xmlns:a="http://schemas.openxmlformats.org/drawingml/2006/main" xmlns:r="http://schemas.openxmlformats.org/officeDocument/2006/relationships" xmlns:p="http://schemas.openxmlformats.org/presentationml/2006/main">
+  <p:cSld>
+    <p:spTree>
+      <p:nvGrpSpPr>
+        <p:cNvPr id="1" name=""/>
+        <p:cNvGrpSpPr/>
+        <p:nvPr/>
+      </p:nvGrpSpPr>
+      <p:grpSpPr>
+        <a:xfrm>
+          <a:off x="0" y="0"/>
+          <a:ext cx="0" cy="0"/>
+          <a:chOff x="0" y="0"/>
+          <a:chExt cx="0" cy="0"/>
+        </a:xfrm>
+      </p:grpSpPr>
+      <p:sp>
+        <p:nvSpPr>
+          <p:cNvPr id="2" name="Title 1">
+            <a:extLst>
+              <a:ext uri="{FF2B5EF4-FFF2-40B4-BE49-F238E27FC236}">
                 <a16:creationId xmlns:a16="http://schemas.microsoft.com/office/drawing/2014/main" id="{5005E0BF-82E3-44DD-BEAD-87C7A146F02E}"/>
               </a:ext>
             </a:extLst>
@@ -4363,27 +4814,25 @@
           <a:p>
             <a:r>
               <a:rPr lang="en-US" dirty="0"/>
-              <a:t>Get TF-IDF vectors for each file in a </a:t>
+              <a:t>Get TF-IDF values for each word in the review corpus using </a:t>
             </a:r>
             <a:r>
               <a:rPr lang="en-US" dirty="0" err="1"/>
-              <a:t>MyCorpusReader</a:t>
-            </a:r>
-            <a:r>
-              <a:rPr lang="en-US" dirty="0"/>
-              <a:t> containing the reviews</a:t>
-            </a:r>
-          </a:p>
-          <a:p>
-            <a:r>
-              <a:rPr lang="en-US" dirty="0"/>
-              <a:t>Associate each word in the new corpus with it’s average TF-IDF value</a:t>
-            </a:r>
-          </a:p>
-          <a:p>
-            <a:r>
-              <a:rPr lang="en-US" dirty="0"/>
-              <a:t>Get the top 1% of most common words</a:t>
+              <a:t>CorpusReader_TFIDF</a:t>
+            </a:r>
+            <a:r>
+              <a:rPr lang="en-US" dirty="0"/>
+              <a:t> trained on Brown</a:t>
+            </a:r>
+          </a:p>
+          <a:p>
+            <a:r>
+              <a:rPr lang="en-US"/>
+              <a:t>Get </a:t>
+            </a:r>
+            <a:r>
+              <a:rPr lang="en-US" dirty="0"/>
+              <a:t>the top 1% of most common words</a:t>
             </a:r>
           </a:p>
           <a:p>
@@ -4775,8 +5224,8 @@
         </p:nvSpPr>
         <p:spPr bwMode="auto">
           <a:xfrm>
-            <a:off x="1694576" y="2938495"/>
-            <a:ext cx="1392572" cy="2723823"/>
+            <a:off x="2160740" y="2665200"/>
+            <a:ext cx="1850965" cy="3485570"/>
           </a:xfrm>
           <a:prstGeom prst="rect">
             <a:avLst/>
@@ -4819,7 +5268,7 @@
           </a:bodyPr>
           <a:lstStyle/>
           <a:p>
-            <a:pPr marL="0" marR="0" lvl="0" indent="0" algn="l" defTabSz="914400" rtl="0" eaLnBrk="0" fontAlgn="base" latinLnBrk="0" hangingPunct="0">
+            <a:pPr marL="0" lvl="0" indent="0" eaLnBrk="0" fontAlgn="base" hangingPunct="0">
               <a:lnSpc>
                 <a:spcPct val="100000"/>
               </a:lnSpc>
@@ -4829,513 +5278,499 @@
               <a:spcAft>
                 <a:spcPct val="0"/>
               </a:spcAft>
-              <a:buClrTx/>
-              <a:buSzTx/>
-              <a:buFontTx/>
-              <a:buNone/>
-              <a:tabLst/>
+              <a:buNone/>
             </a:pPr>
             <a:r>
-              <a:rPr kumimoji="0" lang="en-US" altLang="en-US" sz="900" b="0" i="0" u="none" strike="noStrike" cap="none" normalizeH="0" baseline="0" dirty="0">
-                <a:ln>
-                  <a:noFill/>
-                </a:ln>
+              <a:rPr lang="en-US" altLang="en-US" sz="1050" dirty="0">
                 <a:solidFill>
                   <a:srgbClr val="000000"/>
                 </a:solidFill>
-                <a:effectLst/>
                 <a:latin typeface="Courier New" panose="02070309020205020404" pitchFamily="49" charset="0"/>
                 <a:cs typeface="Courier New" panose="02070309020205020404" pitchFamily="49" charset="0"/>
               </a:rPr>
-              <a:t>keyboard 2 0 1</a:t>
-            </a:r>
-            <a:br>
-              <a:rPr kumimoji="0" lang="en-US" altLang="en-US" sz="900" b="0" i="0" u="none" strike="noStrike" cap="none" normalizeH="0" baseline="0" dirty="0">
-                <a:ln>
-                  <a:noFill/>
-                </a:ln>
+              <a:t>keyboard   2 0 1</a:t>
+            </a:r>
+          </a:p>
+          <a:p>
+            <a:pPr marL="0" lvl="0" indent="0" eaLnBrk="0" fontAlgn="base" hangingPunct="0">
+              <a:lnSpc>
+                <a:spcPct val="100000"/>
+              </a:lnSpc>
+              <a:spcBef>
+                <a:spcPct val="0"/>
+              </a:spcBef>
+              <a:spcAft>
+                <a:spcPct val="0"/>
+              </a:spcAft>
+              <a:buNone/>
+            </a:pPr>
+            <a:r>
+              <a:rPr lang="en-US" altLang="en-US" sz="1050" dirty="0">
                 <a:solidFill>
                   <a:srgbClr val="000000"/>
                 </a:solidFill>
-                <a:effectLst/>
                 <a:latin typeface="Courier New" panose="02070309020205020404" pitchFamily="49" charset="0"/>
                 <a:cs typeface="Courier New" panose="02070309020205020404" pitchFamily="49" charset="0"/>
               </a:rPr>
-            </a:br>
-            <a:r>
-              <a:rPr kumimoji="0" lang="en-US" altLang="en-US" sz="900" b="0" i="0" u="none" strike="noStrike" cap="none" normalizeH="0" baseline="0" dirty="0">
-                <a:ln>
-                  <a:noFill/>
-                </a:ln>
+              <a:t>buttons    3 0 0</a:t>
+            </a:r>
+          </a:p>
+          <a:p>
+            <a:pPr marL="0" lvl="0" indent="0" eaLnBrk="0" fontAlgn="base" hangingPunct="0">
+              <a:lnSpc>
+                <a:spcPct val="100000"/>
+              </a:lnSpc>
+              <a:spcBef>
+                <a:spcPct val="0"/>
+              </a:spcBef>
+              <a:spcAft>
+                <a:spcPct val="0"/>
+              </a:spcAft>
+              <a:buNone/>
+            </a:pPr>
+            <a:r>
+              <a:rPr lang="en-US" altLang="en-US" sz="1050" dirty="0">
                 <a:solidFill>
                   <a:srgbClr val="000000"/>
                 </a:solidFill>
-                <a:effectLst/>
                 <a:latin typeface="Courier New" panose="02070309020205020404" pitchFamily="49" charset="0"/>
                 <a:cs typeface="Courier New" panose="02070309020205020404" pitchFamily="49" charset="0"/>
               </a:rPr>
-              <a:t>buttons 3 0 0</a:t>
-            </a:r>
-            <a:br>
-              <a:rPr kumimoji="0" lang="en-US" altLang="en-US" sz="900" b="0" i="0" u="none" strike="noStrike" cap="none" normalizeH="0" baseline="0" dirty="0">
-                <a:ln>
-                  <a:noFill/>
-                </a:ln>
+              <a:t>battery    1 0 2</a:t>
+            </a:r>
+          </a:p>
+          <a:p>
+            <a:pPr marL="0" lvl="0" indent="0" eaLnBrk="0" fontAlgn="base" hangingPunct="0">
+              <a:lnSpc>
+                <a:spcPct val="100000"/>
+              </a:lnSpc>
+              <a:spcBef>
+                <a:spcPct val="0"/>
+              </a:spcBef>
+              <a:spcAft>
+                <a:spcPct val="0"/>
+              </a:spcAft>
+              <a:buNone/>
+            </a:pPr>
+            <a:r>
+              <a:rPr lang="en-US" altLang="en-US" sz="1050" dirty="0">
                 <a:solidFill>
                   <a:srgbClr val="000000"/>
                 </a:solidFill>
-                <a:effectLst/>
                 <a:latin typeface="Courier New" panose="02070309020205020404" pitchFamily="49" charset="0"/>
                 <a:cs typeface="Courier New" panose="02070309020205020404" pitchFamily="49" charset="0"/>
               </a:rPr>
-            </a:br>
-            <a:r>
-              <a:rPr kumimoji="0" lang="en-US" altLang="en-US" sz="900" b="0" i="0" u="none" strike="noStrike" cap="none" normalizeH="0" baseline="0" dirty="0">
-                <a:ln>
-                  <a:noFill/>
-                </a:ln>
+              <a:t>keys       1 0 1</a:t>
+            </a:r>
+          </a:p>
+          <a:p>
+            <a:pPr marL="0" lvl="0" indent="0" eaLnBrk="0" fontAlgn="base" hangingPunct="0">
+              <a:lnSpc>
+                <a:spcPct val="100000"/>
+              </a:lnSpc>
+              <a:spcBef>
+                <a:spcPct val="0"/>
+              </a:spcBef>
+              <a:spcAft>
+                <a:spcPct val="0"/>
+              </a:spcAft>
+              <a:buNone/>
+            </a:pPr>
+            <a:r>
+              <a:rPr lang="en-US" altLang="en-US" sz="1050" dirty="0">
                 <a:solidFill>
                   <a:srgbClr val="000000"/>
                 </a:solidFill>
-                <a:effectLst/>
                 <a:latin typeface="Courier New" panose="02070309020205020404" pitchFamily="49" charset="0"/>
                 <a:cs typeface="Courier New" panose="02070309020205020404" pitchFamily="49" charset="0"/>
               </a:rPr>
-              <a:t>battery 1 0 2</a:t>
-            </a:r>
-            <a:br>
-              <a:rPr kumimoji="0" lang="en-US" altLang="en-US" sz="900" b="0" i="0" u="none" strike="noStrike" cap="none" normalizeH="0" baseline="0" dirty="0">
-                <a:ln>
-                  <a:noFill/>
-                </a:ln>
+              <a:t>connected  0 0 2</a:t>
+            </a:r>
+          </a:p>
+          <a:p>
+            <a:pPr marL="0" lvl="0" indent="0" eaLnBrk="0" fontAlgn="base" hangingPunct="0">
+              <a:lnSpc>
+                <a:spcPct val="100000"/>
+              </a:lnSpc>
+              <a:spcBef>
+                <a:spcPct val="0"/>
+              </a:spcBef>
+              <a:spcAft>
+                <a:spcPct val="0"/>
+              </a:spcAft>
+              <a:buNone/>
+            </a:pPr>
+            <a:r>
+              <a:rPr lang="en-US" altLang="en-US" sz="1050" dirty="0">
                 <a:solidFill>
                   <a:srgbClr val="000000"/>
                 </a:solidFill>
-                <a:effectLst/>
                 <a:latin typeface="Courier New" panose="02070309020205020404" pitchFamily="49" charset="0"/>
                 <a:cs typeface="Courier New" panose="02070309020205020404" pitchFamily="49" charset="0"/>
               </a:rPr>
-            </a:br>
-            <a:r>
-              <a:rPr kumimoji="0" lang="en-US" altLang="en-US" sz="900" b="0" i="0" u="none" strike="noStrike" cap="none" normalizeH="0" baseline="0" dirty="0">
-                <a:ln>
-                  <a:noFill/>
-                </a:ln>
+              <a:t>rating     0 0 1</a:t>
+            </a:r>
+          </a:p>
+          <a:p>
+            <a:pPr marL="0" lvl="0" indent="0" eaLnBrk="0" fontAlgn="base" hangingPunct="0">
+              <a:lnSpc>
+                <a:spcPct val="100000"/>
+              </a:lnSpc>
+              <a:spcBef>
+                <a:spcPct val="0"/>
+              </a:spcBef>
+              <a:spcAft>
+                <a:spcPct val="0"/>
+              </a:spcAft>
+              <a:buNone/>
+            </a:pPr>
+            <a:r>
+              <a:rPr lang="en-US" altLang="en-US" sz="1050" dirty="0">
                 <a:solidFill>
                   <a:srgbClr val="000000"/>
                 </a:solidFill>
-                <a:effectLst/>
                 <a:latin typeface="Courier New" panose="02070309020205020404" pitchFamily="49" charset="0"/>
                 <a:cs typeface="Courier New" panose="02070309020205020404" pitchFamily="49" charset="0"/>
               </a:rPr>
-              <a:t>keys 1 0 1</a:t>
-            </a:r>
-            <a:br>
-              <a:rPr kumimoji="0" lang="en-US" altLang="en-US" sz="900" b="0" i="0" u="none" strike="noStrike" cap="none" normalizeH="0" baseline="0" dirty="0">
-                <a:ln>
-                  <a:noFill/>
-                </a:ln>
+              <a:t>carrier    0 0 1</a:t>
+            </a:r>
+          </a:p>
+          <a:p>
+            <a:pPr marL="0" lvl="0" indent="0" eaLnBrk="0" fontAlgn="base" hangingPunct="0">
+              <a:lnSpc>
+                <a:spcPct val="100000"/>
+              </a:lnSpc>
+              <a:spcBef>
+                <a:spcPct val="0"/>
+              </a:spcBef>
+              <a:spcAft>
+                <a:spcPct val="0"/>
+              </a:spcAft>
+              <a:buNone/>
+            </a:pPr>
+            <a:r>
+              <a:rPr lang="en-US" altLang="en-US" sz="1050" dirty="0">
                 <a:solidFill>
                   <a:srgbClr val="000000"/>
                 </a:solidFill>
-                <a:effectLst/>
                 <a:latin typeface="Courier New" panose="02070309020205020404" pitchFamily="49" charset="0"/>
                 <a:cs typeface="Courier New" panose="02070309020205020404" pitchFamily="49" charset="0"/>
               </a:rPr>
-            </a:br>
-            <a:r>
-              <a:rPr kumimoji="0" lang="en-US" altLang="en-US" sz="900" b="0" i="0" u="none" strike="noStrike" cap="none" normalizeH="0" baseline="0" dirty="0">
-                <a:ln>
-                  <a:noFill/>
-                </a:ln>
+              <a:t>setup      1 0 0</a:t>
+            </a:r>
+          </a:p>
+          <a:p>
+            <a:pPr marL="0" lvl="0" indent="0" eaLnBrk="0" fontAlgn="base" hangingPunct="0">
+              <a:lnSpc>
+                <a:spcPct val="100000"/>
+              </a:lnSpc>
+              <a:spcBef>
+                <a:spcPct val="0"/>
+              </a:spcBef>
+              <a:spcAft>
+                <a:spcPct val="0"/>
+              </a:spcAft>
+              <a:buNone/>
+            </a:pPr>
+            <a:r>
+              <a:rPr lang="en-US" altLang="en-US" sz="1050" dirty="0">
                 <a:solidFill>
                   <a:srgbClr val="000000"/>
                 </a:solidFill>
-                <a:effectLst/>
                 <a:latin typeface="Courier New" panose="02070309020205020404" pitchFamily="49" charset="0"/>
                 <a:cs typeface="Courier New" panose="02070309020205020404" pitchFamily="49" charset="0"/>
               </a:rPr>
-              <a:t>quality 3 0 0</a:t>
-            </a:r>
-            <a:br>
-              <a:rPr kumimoji="0" lang="en-US" altLang="en-US" sz="900" b="0" i="0" u="none" strike="noStrike" cap="none" normalizeH="0" baseline="0" dirty="0">
-                <a:ln>
-                  <a:noFill/>
-                </a:ln>
+              <a:t>heel       1 0 0</a:t>
+            </a:r>
+          </a:p>
+          <a:p>
+            <a:pPr marL="0" lvl="0" indent="0" eaLnBrk="0" fontAlgn="base" hangingPunct="0">
+              <a:lnSpc>
+                <a:spcPct val="100000"/>
+              </a:lnSpc>
+              <a:spcBef>
+                <a:spcPct val="0"/>
+              </a:spcBef>
+              <a:spcAft>
+                <a:spcPct val="0"/>
+              </a:spcAft>
+              <a:buNone/>
+            </a:pPr>
+            <a:r>
+              <a:rPr lang="en-US" altLang="en-US" sz="1050" dirty="0">
                 <a:solidFill>
                   <a:srgbClr val="000000"/>
                 </a:solidFill>
-                <a:effectLst/>
                 <a:latin typeface="Courier New" panose="02070309020205020404" pitchFamily="49" charset="0"/>
                 <a:cs typeface="Courier New" panose="02070309020205020404" pitchFamily="49" charset="0"/>
               </a:rPr>
-            </a:br>
-            <a:r>
-              <a:rPr kumimoji="0" lang="en-US" altLang="en-US" sz="900" b="0" i="0" u="none" strike="noStrike" cap="none" normalizeH="0" baseline="0" dirty="0">
-                <a:ln>
-                  <a:noFill/>
-                </a:ln>
+              <a:t>favorites  1 0 0</a:t>
+            </a:r>
+          </a:p>
+          <a:p>
+            <a:pPr marL="0" lvl="0" indent="0" eaLnBrk="0" fontAlgn="base" hangingPunct="0">
+              <a:lnSpc>
+                <a:spcPct val="100000"/>
+              </a:lnSpc>
+              <a:spcBef>
+                <a:spcPct val="0"/>
+              </a:spcBef>
+              <a:spcAft>
+                <a:spcPct val="0"/>
+              </a:spcAft>
+              <a:buNone/>
+            </a:pPr>
+            <a:r>
+              <a:rPr lang="en-US" altLang="en-US" sz="1050" dirty="0">
                 <a:solidFill>
                   <a:srgbClr val="000000"/>
                 </a:solidFill>
-                <a:effectLst/>
                 <a:latin typeface="Courier New" panose="02070309020205020404" pitchFamily="49" charset="0"/>
                 <a:cs typeface="Courier New" panose="02070309020205020404" pitchFamily="49" charset="0"/>
               </a:rPr>
-              <a:t>rating 0 0 1</a:t>
-            </a:r>
-            <a:br>
-              <a:rPr kumimoji="0" lang="en-US" altLang="en-US" sz="900" b="0" i="0" u="none" strike="noStrike" cap="none" normalizeH="0" baseline="0" dirty="0">
-                <a:ln>
-                  <a:noFill/>
-                </a:ln>
+              <a:t>suits      1 0 0</a:t>
+            </a:r>
+          </a:p>
+          <a:p>
+            <a:pPr marL="0" lvl="0" indent="0" eaLnBrk="0" fontAlgn="base" hangingPunct="0">
+              <a:lnSpc>
+                <a:spcPct val="100000"/>
+              </a:lnSpc>
+              <a:spcBef>
+                <a:spcPct val="0"/>
+              </a:spcBef>
+              <a:spcAft>
+                <a:spcPct val="0"/>
+              </a:spcAft>
+              <a:buNone/>
+            </a:pPr>
+            <a:r>
+              <a:rPr lang="en-US" altLang="en-US" sz="1050" dirty="0">
                 <a:solidFill>
                   <a:srgbClr val="000000"/>
                 </a:solidFill>
-                <a:effectLst/>
                 <a:latin typeface="Courier New" panose="02070309020205020404" pitchFamily="49" charset="0"/>
                 <a:cs typeface="Courier New" panose="02070309020205020404" pitchFamily="49" charset="0"/>
               </a:rPr>
-            </a:br>
-            <a:r>
-              <a:rPr kumimoji="0" lang="en-US" altLang="en-US" sz="900" b="0" i="0" u="none" strike="noStrike" cap="none" normalizeH="0" baseline="0" dirty="0">
-                <a:ln>
-                  <a:noFill/>
-                </a:ln>
+              <a:t>card       1 0 0</a:t>
+            </a:r>
+          </a:p>
+          <a:p>
+            <a:pPr marL="0" lvl="0" indent="0" eaLnBrk="0" fontAlgn="base" hangingPunct="0">
+              <a:lnSpc>
+                <a:spcPct val="100000"/>
+              </a:lnSpc>
+              <a:spcBef>
+                <a:spcPct val="0"/>
+              </a:spcBef>
+              <a:spcAft>
+                <a:spcPct val="0"/>
+              </a:spcAft>
+              <a:buNone/>
+            </a:pPr>
+            <a:r>
+              <a:rPr lang="en-US" altLang="en-US" sz="1050" dirty="0">
                 <a:solidFill>
                   <a:srgbClr val="000000"/>
                 </a:solidFill>
-                <a:effectLst/>
                 <a:latin typeface="Courier New" panose="02070309020205020404" pitchFamily="49" charset="0"/>
                 <a:cs typeface="Courier New" panose="02070309020205020404" pitchFamily="49" charset="0"/>
               </a:rPr>
-              <a:t>phones 1 0 0</a:t>
-            </a:r>
-            <a:br>
-              <a:rPr kumimoji="0" lang="en-US" altLang="en-US" sz="900" b="0" i="0" u="none" strike="noStrike" cap="none" normalizeH="0" baseline="0" dirty="0">
-                <a:ln>
-                  <a:noFill/>
-                </a:ln>
+              <a:t>purchase   1 0 0</a:t>
+            </a:r>
+          </a:p>
+          <a:p>
+            <a:pPr marL="0" lvl="0" indent="0" eaLnBrk="0" fontAlgn="base" hangingPunct="0">
+              <a:lnSpc>
+                <a:spcPct val="100000"/>
+              </a:lnSpc>
+              <a:spcBef>
+                <a:spcPct val="0"/>
+              </a:spcBef>
+              <a:spcAft>
+                <a:spcPct val="0"/>
+              </a:spcAft>
+              <a:buNone/>
+            </a:pPr>
+            <a:r>
+              <a:rPr lang="en-US" altLang="en-US" sz="1050" dirty="0">
                 <a:solidFill>
                   <a:srgbClr val="000000"/>
                 </a:solidFill>
-                <a:effectLst/>
                 <a:latin typeface="Courier New" panose="02070309020205020404" pitchFamily="49" charset="0"/>
                 <a:cs typeface="Courier New" panose="02070309020205020404" pitchFamily="49" charset="0"/>
               </a:rPr>
-            </a:br>
-            <a:r>
-              <a:rPr kumimoji="0" lang="en-US" altLang="en-US" sz="900" b="0" i="0" u="none" strike="noStrike" cap="none" normalizeH="0" baseline="0" dirty="0">
-                <a:ln>
-                  <a:noFill/>
-                </a:ln>
+              <a:t>reception  1 0 0</a:t>
+            </a:r>
+          </a:p>
+          <a:p>
+            <a:pPr marL="0" lvl="0" indent="0" eaLnBrk="0" fontAlgn="base" hangingPunct="0">
+              <a:lnSpc>
+                <a:spcPct val="100000"/>
+              </a:lnSpc>
+              <a:spcBef>
+                <a:spcPct val="0"/>
+              </a:spcBef>
+              <a:spcAft>
+                <a:spcPct val="0"/>
+              </a:spcAft>
+              <a:buNone/>
+            </a:pPr>
+            <a:r>
+              <a:rPr lang="en-US" altLang="en-US" sz="1050" dirty="0">
                 <a:solidFill>
                   <a:srgbClr val="000000"/>
                 </a:solidFill>
-                <a:effectLst/>
                 <a:latin typeface="Courier New" panose="02070309020205020404" pitchFamily="49" charset="0"/>
                 <a:cs typeface="Courier New" panose="02070309020205020404" pitchFamily="49" charset="0"/>
               </a:rPr>
-              <a:t>setup 1 0 0</a:t>
-            </a:r>
-            <a:br>
-              <a:rPr kumimoji="0" lang="en-US" altLang="en-US" sz="900" b="0" i="0" u="none" strike="noStrike" cap="none" normalizeH="0" baseline="0" dirty="0">
-                <a:ln>
-                  <a:noFill/>
-                </a:ln>
+              <a:t>morning    1 0 1</a:t>
+            </a:r>
+          </a:p>
+          <a:p>
+            <a:pPr marL="0" lvl="0" indent="0" eaLnBrk="0" fontAlgn="base" hangingPunct="0">
+              <a:lnSpc>
+                <a:spcPct val="100000"/>
+              </a:lnSpc>
+              <a:spcBef>
+                <a:spcPct val="0"/>
+              </a:spcBef>
+              <a:spcAft>
+                <a:spcPct val="0"/>
+              </a:spcAft>
+              <a:buNone/>
+            </a:pPr>
+            <a:r>
+              <a:rPr lang="en-US" altLang="en-US" sz="1050" dirty="0">
                 <a:solidFill>
                   <a:srgbClr val="000000"/>
                 </a:solidFill>
-                <a:effectLst/>
                 <a:latin typeface="Courier New" panose="02070309020205020404" pitchFamily="49" charset="0"/>
                 <a:cs typeface="Courier New" panose="02070309020205020404" pitchFamily="49" charset="0"/>
               </a:rPr>
-            </a:br>
-            <a:r>
-              <a:rPr kumimoji="0" lang="en-US" altLang="en-US" sz="900" b="0" i="0" u="none" strike="noStrike" cap="none" normalizeH="0" baseline="0" dirty="0">
-                <a:ln>
-                  <a:noFill/>
-                </a:ln>
+              <a:t>screen     1 0 0</a:t>
+            </a:r>
+          </a:p>
+          <a:p>
+            <a:pPr marL="0" lvl="0" indent="0" eaLnBrk="0" fontAlgn="base" hangingPunct="0">
+              <a:lnSpc>
+                <a:spcPct val="100000"/>
+              </a:lnSpc>
+              <a:spcBef>
+                <a:spcPct val="0"/>
+              </a:spcBef>
+              <a:spcAft>
+                <a:spcPct val="0"/>
+              </a:spcAft>
+              <a:buNone/>
+            </a:pPr>
+            <a:r>
+              <a:rPr lang="en-US" altLang="en-US" sz="1050" dirty="0">
                 <a:solidFill>
                   <a:srgbClr val="000000"/>
                 </a:solidFill>
-                <a:effectLst/>
                 <a:latin typeface="Courier New" panose="02070309020205020404" pitchFamily="49" charset="0"/>
                 <a:cs typeface="Courier New" panose="02070309020205020404" pitchFamily="49" charset="0"/>
               </a:rPr>
-              <a:t>heel 1 0 0</a:t>
-            </a:r>
-            <a:br>
-              <a:rPr kumimoji="0" lang="en-US" altLang="en-US" sz="900" b="0" i="0" u="none" strike="noStrike" cap="none" normalizeH="0" baseline="0" dirty="0">
-                <a:ln>
-                  <a:noFill/>
-                </a:ln>
+              <a:t>signal     1 0 0</a:t>
+            </a:r>
+          </a:p>
+          <a:p>
+            <a:pPr marL="0" lvl="0" indent="0" eaLnBrk="0" fontAlgn="base" hangingPunct="0">
+              <a:lnSpc>
+                <a:spcPct val="100000"/>
+              </a:lnSpc>
+              <a:spcBef>
+                <a:spcPct val="0"/>
+              </a:spcBef>
+              <a:spcAft>
+                <a:spcPct val="0"/>
+              </a:spcAft>
+              <a:buNone/>
+            </a:pPr>
+            <a:r>
+              <a:rPr lang="en-US" altLang="en-US" sz="1050" dirty="0">
                 <a:solidFill>
                   <a:srgbClr val="000000"/>
                 </a:solidFill>
-                <a:effectLst/>
                 <a:latin typeface="Courier New" panose="02070309020205020404" pitchFamily="49" charset="0"/>
                 <a:cs typeface="Courier New" panose="02070309020205020404" pitchFamily="49" charset="0"/>
               </a:rPr>
-            </a:br>
-            <a:r>
-              <a:rPr kumimoji="0" lang="en-US" altLang="en-US" sz="900" b="0" i="0" u="none" strike="noStrike" cap="none" normalizeH="0" baseline="0" dirty="0">
-                <a:ln>
-                  <a:noFill/>
-                </a:ln>
+              <a:t>ring       1 0 0</a:t>
+            </a:r>
+          </a:p>
+          <a:p>
+            <a:pPr marL="0" lvl="0" indent="0" eaLnBrk="0" fontAlgn="base" hangingPunct="0">
+              <a:lnSpc>
+                <a:spcPct val="100000"/>
+              </a:lnSpc>
+              <a:spcBef>
+                <a:spcPct val="0"/>
+              </a:spcBef>
+              <a:spcAft>
+                <a:spcPct val="0"/>
+              </a:spcAft>
+              <a:buNone/>
+            </a:pPr>
+            <a:r>
+              <a:rPr lang="en-US" altLang="en-US" sz="1050" dirty="0">
                 <a:solidFill>
                   <a:srgbClr val="000000"/>
                 </a:solidFill>
-                <a:effectLst/>
                 <a:latin typeface="Courier New" panose="02070309020205020404" pitchFamily="49" charset="0"/>
                 <a:cs typeface="Courier New" panose="02070309020205020404" pitchFamily="49" charset="0"/>
               </a:rPr>
-              <a:t>favorites 1 0 0</a:t>
-            </a:r>
-            <a:br>
-              <a:rPr kumimoji="0" lang="en-US" altLang="en-US" sz="900" b="0" i="0" u="none" strike="noStrike" cap="none" normalizeH="0" baseline="0" dirty="0">
-                <a:ln>
-                  <a:noFill/>
-                </a:ln>
+              <a:t>call       2 0 0</a:t>
+            </a:r>
+          </a:p>
+          <a:p>
+            <a:pPr marL="0" lvl="0" indent="0" eaLnBrk="0" fontAlgn="base" hangingPunct="0">
+              <a:lnSpc>
+                <a:spcPct val="100000"/>
+              </a:lnSpc>
+              <a:spcBef>
+                <a:spcPct val="0"/>
+              </a:spcBef>
+              <a:spcAft>
+                <a:spcPct val="0"/>
+              </a:spcAft>
+              <a:buNone/>
+            </a:pPr>
+            <a:r>
+              <a:rPr lang="en-US" altLang="en-US" sz="1050" dirty="0">
                 <a:solidFill>
                   <a:srgbClr val="000000"/>
                 </a:solidFill>
-                <a:effectLst/>
                 <a:latin typeface="Courier New" panose="02070309020205020404" pitchFamily="49" charset="0"/>
                 <a:cs typeface="Courier New" panose="02070309020205020404" pitchFamily="49" charset="0"/>
               </a:rPr>
-            </a:br>
-            <a:r>
-              <a:rPr kumimoji="0" lang="en-US" altLang="en-US" sz="900" b="0" i="0" u="none" strike="noStrike" cap="none" normalizeH="0" baseline="0" dirty="0">
-                <a:ln>
-                  <a:noFill/>
-                </a:ln>
+              <a:t>wonderful  1 0 0</a:t>
+            </a:r>
+          </a:p>
+          <a:p>
+            <a:pPr marL="0" lvl="0" indent="0" eaLnBrk="0" fontAlgn="base" hangingPunct="0">
+              <a:lnSpc>
+                <a:spcPct val="100000"/>
+              </a:lnSpc>
+              <a:spcBef>
+                <a:spcPct val="0"/>
+              </a:spcBef>
+              <a:spcAft>
+                <a:spcPct val="0"/>
+              </a:spcAft>
+              <a:buNone/>
+            </a:pPr>
+            <a:r>
+              <a:rPr lang="en-US" altLang="en-US" sz="1050" dirty="0">
                 <a:solidFill>
                   <a:srgbClr val="000000"/>
                 </a:solidFill>
-                <a:effectLst/>
                 <a:latin typeface="Courier New" panose="02070309020205020404" pitchFamily="49" charset="0"/>
                 <a:cs typeface="Courier New" panose="02070309020205020404" pitchFamily="49" charset="0"/>
               </a:rPr>
-              <a:t>beloved 1 0 0</a:t>
-            </a:r>
-            <a:br>
-              <a:rPr kumimoji="0" lang="en-US" altLang="en-US" sz="900" b="0" i="0" u="none" strike="noStrike" cap="none" normalizeH="0" baseline="0" dirty="0">
-                <a:ln>
-                  <a:noFill/>
-                </a:ln>
-                <a:solidFill>
-                  <a:srgbClr val="000000"/>
-                </a:solidFill>
-                <a:effectLst/>
-                <a:latin typeface="Courier New" panose="02070309020205020404" pitchFamily="49" charset="0"/>
-                <a:cs typeface="Courier New" panose="02070309020205020404" pitchFamily="49" charset="0"/>
-              </a:rPr>
-            </a:br>
-            <a:r>
-              <a:rPr kumimoji="0" lang="en-US" altLang="en-US" sz="900" b="0" i="0" u="none" strike="noStrike" cap="none" normalizeH="0" baseline="0" dirty="0">
-                <a:ln>
-                  <a:noFill/>
-                </a:ln>
-                <a:solidFill>
-                  <a:srgbClr val="000000"/>
-                </a:solidFill>
-                <a:effectLst/>
-                <a:latin typeface="Courier New" panose="02070309020205020404" pitchFamily="49" charset="0"/>
-                <a:cs typeface="Courier New" panose="02070309020205020404" pitchFamily="49" charset="0"/>
-              </a:rPr>
-              <a:t>card 1 0 0</a:t>
-            </a:r>
-            <a:br>
-              <a:rPr kumimoji="0" lang="en-US" altLang="en-US" sz="900" b="0" i="0" u="none" strike="noStrike" cap="none" normalizeH="0" baseline="0" dirty="0">
-                <a:ln>
-                  <a:noFill/>
-                </a:ln>
-                <a:solidFill>
-                  <a:srgbClr val="000000"/>
-                </a:solidFill>
-                <a:effectLst/>
-                <a:latin typeface="Courier New" panose="02070309020205020404" pitchFamily="49" charset="0"/>
-                <a:cs typeface="Courier New" panose="02070309020205020404" pitchFamily="49" charset="0"/>
-              </a:rPr>
-            </a:br>
-            <a:r>
-              <a:rPr kumimoji="0" lang="en-US" altLang="en-US" sz="900" b="0" i="0" u="none" strike="noStrike" cap="none" normalizeH="0" baseline="0" dirty="0">
-                <a:ln>
-                  <a:noFill/>
-                </a:ln>
-                <a:solidFill>
-                  <a:srgbClr val="000000"/>
-                </a:solidFill>
-                <a:effectLst/>
-                <a:latin typeface="Courier New" panose="02070309020205020404" pitchFamily="49" charset="0"/>
-                <a:cs typeface="Courier New" panose="02070309020205020404" pitchFamily="49" charset="0"/>
-              </a:rPr>
-              <a:t>purchase 1 0 0</a:t>
-            </a:r>
-            <a:br>
-              <a:rPr kumimoji="0" lang="en-US" altLang="en-US" sz="900" b="0" i="0" u="none" strike="noStrike" cap="none" normalizeH="0" baseline="0" dirty="0">
-                <a:ln>
-                  <a:noFill/>
-                </a:ln>
-                <a:solidFill>
-                  <a:srgbClr val="000000"/>
-                </a:solidFill>
-                <a:effectLst/>
-                <a:latin typeface="Courier New" panose="02070309020205020404" pitchFamily="49" charset="0"/>
-                <a:cs typeface="Courier New" panose="02070309020205020404" pitchFamily="49" charset="0"/>
-              </a:rPr>
-            </a:br>
-            <a:r>
-              <a:rPr kumimoji="0" lang="en-US" altLang="en-US" sz="900" b="0" i="0" u="none" strike="noStrike" cap="none" normalizeH="0" baseline="0" dirty="0">
-                <a:ln>
-                  <a:noFill/>
-                </a:ln>
-                <a:solidFill>
-                  <a:srgbClr val="000000"/>
-                </a:solidFill>
-                <a:effectLst/>
-                <a:latin typeface="Courier New" panose="02070309020205020404" pitchFamily="49" charset="0"/>
-                <a:cs typeface="Courier New" panose="02070309020205020404" pitchFamily="49" charset="0"/>
-              </a:rPr>
-              <a:t>reception 1 0 0</a:t>
-            </a:r>
-            <a:br>
-              <a:rPr kumimoji="0" lang="en-US" altLang="en-US" sz="900" b="0" i="0" u="none" strike="noStrike" cap="none" normalizeH="0" baseline="0" dirty="0">
-                <a:ln>
-                  <a:noFill/>
-                </a:ln>
-                <a:solidFill>
-                  <a:srgbClr val="000000"/>
-                </a:solidFill>
-                <a:effectLst/>
-                <a:latin typeface="Courier New" panose="02070309020205020404" pitchFamily="49" charset="0"/>
-                <a:cs typeface="Courier New" panose="02070309020205020404" pitchFamily="49" charset="0"/>
-              </a:rPr>
-            </a:br>
-            <a:r>
-              <a:rPr kumimoji="0" lang="en-US" altLang="en-US" sz="900" b="0" i="0" u="none" strike="noStrike" cap="none" normalizeH="0" baseline="0" dirty="0">
-                <a:ln>
-                  <a:noFill/>
-                </a:ln>
-                <a:solidFill>
-                  <a:srgbClr val="000000"/>
-                </a:solidFill>
-                <a:effectLst/>
-                <a:latin typeface="Courier New" panose="02070309020205020404" pitchFamily="49" charset="0"/>
-                <a:cs typeface="Courier New" panose="02070309020205020404" pitchFamily="49" charset="0"/>
-              </a:rPr>
-              <a:t>screen 1 0 0</a:t>
-            </a:r>
-            <a:br>
-              <a:rPr kumimoji="0" lang="en-US" altLang="en-US" sz="900" b="0" i="0" u="none" strike="noStrike" cap="none" normalizeH="0" baseline="0" dirty="0">
-                <a:ln>
-                  <a:noFill/>
-                </a:ln>
-                <a:solidFill>
-                  <a:srgbClr val="000000"/>
-                </a:solidFill>
-                <a:effectLst/>
-                <a:latin typeface="Courier New" panose="02070309020205020404" pitchFamily="49" charset="0"/>
-                <a:cs typeface="Courier New" panose="02070309020205020404" pitchFamily="49" charset="0"/>
-              </a:rPr>
-            </a:br>
-            <a:r>
-              <a:rPr kumimoji="0" lang="en-US" altLang="en-US" sz="900" b="0" i="0" u="none" strike="noStrike" cap="none" normalizeH="0" baseline="0" dirty="0">
-                <a:ln>
-                  <a:noFill/>
-                </a:ln>
-                <a:solidFill>
-                  <a:srgbClr val="000000"/>
-                </a:solidFill>
-                <a:effectLst/>
-                <a:latin typeface="Courier New" panose="02070309020205020404" pitchFamily="49" charset="0"/>
-                <a:cs typeface="Courier New" panose="02070309020205020404" pitchFamily="49" charset="0"/>
-              </a:rPr>
-              <a:t>ring 1 0 0</a:t>
-            </a:r>
-            <a:br>
-              <a:rPr kumimoji="0" lang="en-US" altLang="en-US" sz="900" b="0" i="0" u="none" strike="noStrike" cap="none" normalizeH="0" baseline="0" dirty="0">
-                <a:ln>
-                  <a:noFill/>
-                </a:ln>
-                <a:solidFill>
-                  <a:srgbClr val="000000"/>
-                </a:solidFill>
-                <a:effectLst/>
-                <a:latin typeface="Courier New" panose="02070309020205020404" pitchFamily="49" charset="0"/>
-                <a:cs typeface="Courier New" panose="02070309020205020404" pitchFamily="49" charset="0"/>
-              </a:rPr>
-            </a:br>
-            <a:r>
-              <a:rPr kumimoji="0" lang="en-US" altLang="en-US" sz="900" b="0" i="0" u="none" strike="noStrike" cap="none" normalizeH="0" baseline="0" dirty="0">
-                <a:ln>
-                  <a:noFill/>
-                </a:ln>
-                <a:solidFill>
-                  <a:srgbClr val="000000"/>
-                </a:solidFill>
-                <a:effectLst/>
-                <a:latin typeface="Courier New" panose="02070309020205020404" pitchFamily="49" charset="0"/>
-                <a:cs typeface="Courier New" panose="02070309020205020404" pitchFamily="49" charset="0"/>
-              </a:rPr>
-              <a:t>call 2 0 0</a:t>
-            </a:r>
-            <a:br>
-              <a:rPr kumimoji="0" lang="en-US" altLang="en-US" sz="900" b="0" i="0" u="none" strike="noStrike" cap="none" normalizeH="0" baseline="0" dirty="0">
-                <a:ln>
-                  <a:noFill/>
-                </a:ln>
-                <a:solidFill>
-                  <a:srgbClr val="000000"/>
-                </a:solidFill>
-                <a:effectLst/>
-                <a:latin typeface="Courier New" panose="02070309020205020404" pitchFamily="49" charset="0"/>
-                <a:cs typeface="Courier New" panose="02070309020205020404" pitchFamily="49" charset="0"/>
-              </a:rPr>
-            </a:br>
-            <a:r>
-              <a:rPr kumimoji="0" lang="en-US" altLang="en-US" sz="900" b="0" i="0" u="none" strike="noStrike" cap="none" normalizeH="0" baseline="0" dirty="0">
-                <a:ln>
-                  <a:noFill/>
-                </a:ln>
-                <a:solidFill>
-                  <a:srgbClr val="000000"/>
-                </a:solidFill>
-                <a:effectLst/>
-                <a:latin typeface="Courier New" panose="02070309020205020404" pitchFamily="49" charset="0"/>
-                <a:cs typeface="Courier New" panose="02070309020205020404" pitchFamily="49" charset="0"/>
-              </a:rPr>
-              <a:t>price 1 0 0</a:t>
-            </a:r>
-            <a:br>
-              <a:rPr kumimoji="0" lang="en-US" altLang="en-US" sz="900" b="0" i="0" u="none" strike="noStrike" cap="none" normalizeH="0" baseline="0" dirty="0">
-                <a:ln>
-                  <a:noFill/>
-                </a:ln>
-                <a:solidFill>
-                  <a:srgbClr val="000000"/>
-                </a:solidFill>
-                <a:effectLst/>
-                <a:latin typeface="Courier New" panose="02070309020205020404" pitchFamily="49" charset="0"/>
-                <a:cs typeface="Courier New" panose="02070309020205020404" pitchFamily="49" charset="0"/>
-              </a:rPr>
-            </a:br>
-            <a:r>
-              <a:rPr kumimoji="0" lang="en-US" altLang="en-US" sz="900" b="0" i="0" u="none" strike="noStrike" cap="none" normalizeH="0" baseline="0" dirty="0">
-                <a:ln>
-                  <a:noFill/>
-                </a:ln>
-                <a:solidFill>
-                  <a:srgbClr val="000000"/>
-                </a:solidFill>
-                <a:effectLst/>
-                <a:latin typeface="Courier New" panose="02070309020205020404" pitchFamily="49" charset="0"/>
-                <a:cs typeface="Courier New" panose="02070309020205020404" pitchFamily="49" charset="0"/>
-              </a:rPr>
-              <a:t>features 1 0 0</a:t>
-            </a:r>
-            <a:endParaRPr kumimoji="0" lang="en-US" altLang="en-US" sz="1800" b="0" i="0" u="none" strike="noStrike" cap="none" normalizeH="0" baseline="0" dirty="0">
+              <a:t>price      1 0 0</a:t>
+            </a:r>
+            <a:endParaRPr kumimoji="0" lang="en-US" altLang="en-US" sz="2400" b="0" i="0" u="none" strike="noStrike" cap="none" normalizeH="0" baseline="0" dirty="0">
               <a:ln>
                 <a:noFill/>
               </a:ln>
@@ -5569,7 +6004,7 @@
           <a:p>
             <a:r>
               <a:rPr lang="en-US" dirty="0"/>
-              <a:t>19 total aspects found</a:t>
+              <a:t>23 total aspects found</a:t>
             </a:r>
           </a:p>
         </p:txBody>
@@ -5650,8 +6085,8 @@
         </p:nvSpPr>
         <p:spPr bwMode="auto">
           <a:xfrm>
-            <a:off x="1694576" y="3429000"/>
-            <a:ext cx="1392572" cy="1061829"/>
+            <a:off x="2142812" y="3155430"/>
+            <a:ext cx="1819588" cy="1277273"/>
           </a:xfrm>
           <a:prstGeom prst="rect">
             <a:avLst/>
@@ -5707,130 +6142,160 @@
               <a:buNone/>
             </a:pPr>
             <a:r>
-              <a:rPr lang="en-US" altLang="en-US" sz="900" dirty="0">
+              <a:rPr lang="en-US" altLang="en-US" sz="1100" dirty="0">
                 <a:solidFill>
                   <a:srgbClr val="000000"/>
                 </a:solidFill>
                 <a:latin typeface="Courier New" panose="02070309020205020404" pitchFamily="49" charset="0"/>
                 <a:cs typeface="Courier New" panose="02070309020205020404" pitchFamily="49" charset="0"/>
               </a:rPr>
-              <a:t>keyboard 2 0 1</a:t>
-            </a:r>
-            <a:br>
-              <a:rPr lang="en-US" altLang="en-US" sz="900" dirty="0">
+              <a:t>keyboard   2 0 1</a:t>
+            </a:r>
+          </a:p>
+          <a:p>
+            <a:pPr marL="0" lvl="0" indent="0" eaLnBrk="0" fontAlgn="base" hangingPunct="0">
+              <a:lnSpc>
+                <a:spcPct val="100000"/>
+              </a:lnSpc>
+              <a:spcBef>
+                <a:spcPct val="0"/>
+              </a:spcBef>
+              <a:spcAft>
+                <a:spcPct val="0"/>
+              </a:spcAft>
+              <a:buNone/>
+            </a:pPr>
+            <a:r>
+              <a:rPr lang="en-US" altLang="en-US" sz="1100" dirty="0">
                 <a:solidFill>
                   <a:srgbClr val="000000"/>
                 </a:solidFill>
                 <a:latin typeface="Courier New" panose="02070309020205020404" pitchFamily="49" charset="0"/>
                 <a:cs typeface="Courier New" panose="02070309020205020404" pitchFamily="49" charset="0"/>
               </a:rPr>
-            </a:br>
-            <a:r>
-              <a:rPr lang="en-US" altLang="en-US" sz="900" dirty="0">
+              <a:t>buttons    3 0 0</a:t>
+            </a:r>
+          </a:p>
+          <a:p>
+            <a:pPr marL="0" lvl="0" indent="0" eaLnBrk="0" fontAlgn="base" hangingPunct="0">
+              <a:lnSpc>
+                <a:spcPct val="100000"/>
+              </a:lnSpc>
+              <a:spcBef>
+                <a:spcPct val="0"/>
+              </a:spcBef>
+              <a:spcAft>
+                <a:spcPct val="0"/>
+              </a:spcAft>
+              <a:buNone/>
+            </a:pPr>
+            <a:r>
+              <a:rPr lang="en-US" altLang="en-US" sz="1100" dirty="0">
                 <a:solidFill>
                   <a:srgbClr val="000000"/>
                 </a:solidFill>
                 <a:latin typeface="Courier New" panose="02070309020205020404" pitchFamily="49" charset="0"/>
                 <a:cs typeface="Courier New" panose="02070309020205020404" pitchFamily="49" charset="0"/>
               </a:rPr>
-              <a:t>buttons 3 0 0</a:t>
-            </a:r>
-            <a:br>
-              <a:rPr lang="en-US" altLang="en-US" sz="900" dirty="0">
+              <a:t>battery    1 0 2</a:t>
+            </a:r>
+          </a:p>
+          <a:p>
+            <a:pPr marL="0" lvl="0" indent="0" eaLnBrk="0" fontAlgn="base" hangingPunct="0">
+              <a:lnSpc>
+                <a:spcPct val="100000"/>
+              </a:lnSpc>
+              <a:spcBef>
+                <a:spcPct val="0"/>
+              </a:spcBef>
+              <a:spcAft>
+                <a:spcPct val="0"/>
+              </a:spcAft>
+              <a:buNone/>
+            </a:pPr>
+            <a:r>
+              <a:rPr lang="en-US" altLang="en-US" sz="1100" dirty="0">
                 <a:solidFill>
                   <a:srgbClr val="000000"/>
                 </a:solidFill>
                 <a:latin typeface="Courier New" panose="02070309020205020404" pitchFamily="49" charset="0"/>
                 <a:cs typeface="Courier New" panose="02070309020205020404" pitchFamily="49" charset="0"/>
               </a:rPr>
-            </a:br>
-            <a:r>
-              <a:rPr lang="en-US" altLang="en-US" sz="900" dirty="0">
+              <a:t>setup      1 0 0</a:t>
+            </a:r>
+          </a:p>
+          <a:p>
+            <a:pPr marL="0" lvl="0" indent="0" eaLnBrk="0" fontAlgn="base" hangingPunct="0">
+              <a:lnSpc>
+                <a:spcPct val="100000"/>
+              </a:lnSpc>
+              <a:spcBef>
+                <a:spcPct val="0"/>
+              </a:spcBef>
+              <a:spcAft>
+                <a:spcPct val="0"/>
+              </a:spcAft>
+              <a:buNone/>
+            </a:pPr>
+            <a:r>
+              <a:rPr lang="en-US" altLang="en-US" sz="1100" dirty="0">
                 <a:solidFill>
                   <a:srgbClr val="000000"/>
                 </a:solidFill>
                 <a:latin typeface="Courier New" panose="02070309020205020404" pitchFamily="49" charset="0"/>
                 <a:cs typeface="Courier New" panose="02070309020205020404" pitchFamily="49" charset="0"/>
               </a:rPr>
-              <a:t>battery 1 0 2</a:t>
-            </a:r>
-            <a:br>
-              <a:rPr lang="en-US" altLang="en-US" sz="900" dirty="0">
+              <a:t>screen     1 0 0</a:t>
+            </a:r>
+          </a:p>
+          <a:p>
+            <a:pPr marL="0" lvl="0" indent="0" eaLnBrk="0" fontAlgn="base" hangingPunct="0">
+              <a:lnSpc>
+                <a:spcPct val="100000"/>
+              </a:lnSpc>
+              <a:spcBef>
+                <a:spcPct val="0"/>
+              </a:spcBef>
+              <a:spcAft>
+                <a:spcPct val="0"/>
+              </a:spcAft>
+              <a:buNone/>
+            </a:pPr>
+            <a:r>
+              <a:rPr lang="en-US" altLang="en-US" sz="1100" dirty="0">
                 <a:solidFill>
                   <a:srgbClr val="000000"/>
                 </a:solidFill>
                 <a:latin typeface="Courier New" panose="02070309020205020404" pitchFamily="49" charset="0"/>
                 <a:cs typeface="Courier New" panose="02070309020205020404" pitchFamily="49" charset="0"/>
               </a:rPr>
-            </a:br>
-            <a:r>
-              <a:rPr lang="en-US" altLang="en-US" sz="900" dirty="0">
+              <a:t>ring       1 0 0</a:t>
+            </a:r>
+          </a:p>
+          <a:p>
+            <a:pPr marL="0" lvl="0" indent="0" eaLnBrk="0" fontAlgn="base" hangingPunct="0">
+              <a:lnSpc>
+                <a:spcPct val="100000"/>
+              </a:lnSpc>
+              <a:spcBef>
+                <a:spcPct val="0"/>
+              </a:spcBef>
+              <a:spcAft>
+                <a:spcPct val="0"/>
+              </a:spcAft>
+              <a:buNone/>
+            </a:pPr>
+            <a:r>
+              <a:rPr lang="en-US" altLang="en-US" sz="1100" dirty="0">
                 <a:solidFill>
                   <a:srgbClr val="000000"/>
                 </a:solidFill>
                 <a:latin typeface="Courier New" panose="02070309020205020404" pitchFamily="49" charset="0"/>
                 <a:cs typeface="Courier New" panose="02070309020205020404" pitchFamily="49" charset="0"/>
               </a:rPr>
-              <a:t>screen 1 0 0</a:t>
-            </a:r>
-            <a:br>
-              <a:rPr lang="en-US" altLang="en-US" sz="900" dirty="0">
-                <a:solidFill>
-                  <a:srgbClr val="000000"/>
-                </a:solidFill>
-                <a:latin typeface="Courier New" panose="02070309020205020404" pitchFamily="49" charset="0"/>
-                <a:cs typeface="Courier New" panose="02070309020205020404" pitchFamily="49" charset="0"/>
-              </a:rPr>
-            </a:br>
-            <a:r>
-              <a:rPr lang="en-US" altLang="en-US" sz="900" dirty="0">
-                <a:solidFill>
-                  <a:srgbClr val="000000"/>
-                </a:solidFill>
-                <a:latin typeface="Courier New" panose="02070309020205020404" pitchFamily="49" charset="0"/>
-                <a:cs typeface="Courier New" panose="02070309020205020404" pitchFamily="49" charset="0"/>
-              </a:rPr>
-              <a:t>ring 1 0 0</a:t>
-            </a:r>
-            <a:br>
-              <a:rPr lang="en-US" altLang="en-US" sz="900" dirty="0">
-                <a:solidFill>
-                  <a:srgbClr val="000000"/>
-                </a:solidFill>
-                <a:latin typeface="Courier New" panose="02070309020205020404" pitchFamily="49" charset="0"/>
-                <a:cs typeface="Courier New" panose="02070309020205020404" pitchFamily="49" charset="0"/>
-              </a:rPr>
-            </a:br>
-            <a:r>
-              <a:rPr lang="en-US" altLang="en-US" sz="900" dirty="0">
-                <a:solidFill>
-                  <a:srgbClr val="000000"/>
-                </a:solidFill>
-                <a:latin typeface="Courier New" panose="02070309020205020404" pitchFamily="49" charset="0"/>
-                <a:cs typeface="Courier New" panose="02070309020205020404" pitchFamily="49" charset="0"/>
-              </a:rPr>
-              <a:t>price 1 0 0</a:t>
-            </a:r>
-            <a:br>
-              <a:rPr lang="en-US" altLang="en-US" sz="900" dirty="0">
-                <a:solidFill>
-                  <a:srgbClr val="000000"/>
-                </a:solidFill>
-                <a:latin typeface="Courier New" panose="02070309020205020404" pitchFamily="49" charset="0"/>
-                <a:cs typeface="Courier New" panose="02070309020205020404" pitchFamily="49" charset="0"/>
-              </a:rPr>
-            </a:br>
-            <a:r>
-              <a:rPr lang="en-US" altLang="en-US" sz="900" dirty="0">
-                <a:solidFill>
-                  <a:srgbClr val="000000"/>
-                </a:solidFill>
-                <a:latin typeface="Courier New" panose="02070309020205020404" pitchFamily="49" charset="0"/>
-                <a:cs typeface="Courier New" panose="02070309020205020404" pitchFamily="49" charset="0"/>
-              </a:rPr>
-              <a:t>setup 1 0 0</a:t>
-            </a:r>
-            <a:endParaRPr lang="en-US" altLang="en-US" sz="1800" dirty="0">
+              <a:t>price      1 0 0</a:t>
+            </a:r>
+            <a:endParaRPr lang="en-US" altLang="en-US" sz="2800" dirty="0">
               <a:solidFill>
                 <a:schemeClr val="tx1"/>
               </a:solidFill>
@@ -6060,7 +6525,7 @@
           <a:p>
             <a:r>
               <a:rPr lang="en-US" dirty="0"/>
-              <a:t>7 correct aspects found</a:t>
+              <a:t>7/10 correct aspects found</a:t>
             </a:r>
           </a:p>
           <a:p>
